--- a/Presentation.pptx
+++ b/Presentation.pptx
@@ -5,16 +5,18 @@
     <p:sldMasterId id="2147483661" r:id="rId1"/>
   </p:sldMasterIdLst>
   <p:notesMasterIdLst>
-    <p:notesMasterId r:id="rId9"/>
+    <p:notesMasterId r:id="rId11"/>
   </p:notesMasterIdLst>
   <p:sldIdLst>
     <p:sldId id="256" r:id="rId2"/>
     <p:sldId id="257" r:id="rId3"/>
     <p:sldId id="261" r:id="rId4"/>
-    <p:sldId id="262" r:id="rId5"/>
-    <p:sldId id="263" r:id="rId6"/>
-    <p:sldId id="267" r:id="rId7"/>
-    <p:sldId id="269" r:id="rId8"/>
+    <p:sldId id="270" r:id="rId5"/>
+    <p:sldId id="262" r:id="rId6"/>
+    <p:sldId id="263" r:id="rId7"/>
+    <p:sldId id="271" r:id="rId8"/>
+    <p:sldId id="267" r:id="rId9"/>
+    <p:sldId id="269" r:id="rId10"/>
   </p:sldIdLst>
   <p:sldSz cx="9144000" cy="5143500" type="screen16x9"/>
   <p:notesSz cx="6858000" cy="9144000"/>
@@ -1024,6 +1026,133 @@
   <p:cSld>
     <p:spTree>
       <p:nvGrpSpPr>
+        <p:cNvPr id="1" name="Shape 106">
+          <a:extLst>
+            <a:ext uri="{FF2B5EF4-FFF2-40B4-BE49-F238E27FC236}">
+              <a16:creationId xmlns:a16="http://schemas.microsoft.com/office/drawing/2014/main" id="{EA5348A3-4261-A2D7-306E-C8A4F39C8057}"/>
+            </a:ext>
+          </a:extLst>
+        </p:cNvPr>
+        <p:cNvGrpSpPr/>
+        <p:nvPr/>
+      </p:nvGrpSpPr>
+      <p:grpSpPr>
+        <a:xfrm>
+          <a:off x="0" y="0"/>
+          <a:ext cx="0" cy="0"/>
+          <a:chOff x="0" y="0"/>
+          <a:chExt cx="0" cy="0"/>
+        </a:xfrm>
+      </p:grpSpPr>
+      <p:sp>
+        <p:nvSpPr>
+          <p:cNvPr id="107" name="Google Shape;107;g3325fc20f3f_0_28:notes">
+            <a:extLst>
+              <a:ext uri="{FF2B5EF4-FFF2-40B4-BE49-F238E27FC236}">
+                <a16:creationId xmlns:a16="http://schemas.microsoft.com/office/drawing/2014/main" id="{2521617F-CEAA-4DAE-18B7-7285F00370D2}"/>
+              </a:ext>
+            </a:extLst>
+          </p:cNvPr>
+          <p:cNvSpPr txBox="1">
+            <a:spLocks noGrp="1"/>
+          </p:cNvSpPr>
+          <p:nvPr>
+            <p:ph type="body" idx="1"/>
+          </p:nvPr>
+        </p:nvSpPr>
+        <p:spPr>
+          <a:xfrm>
+            <a:off x="685800" y="4343400"/>
+            <a:ext cx="5486400" cy="4114800"/>
+          </a:xfrm>
+          <a:prstGeom prst="rect">
+            <a:avLst/>
+          </a:prstGeom>
+        </p:spPr>
+        <p:txBody>
+          <a:bodyPr spcFirstLastPara="1" wrap="square" lIns="91425" tIns="91425" rIns="91425" bIns="91425" anchor="t" anchorCtr="0">
+            <a:noAutofit/>
+          </a:bodyPr>
+          <a:lstStyle/>
+          <a:p>
+            <a:pPr marL="0" lvl="0" indent="0" algn="l" rtl="0">
+              <a:spcBef>
+                <a:spcPts val="0"/>
+              </a:spcBef>
+              <a:spcAft>
+                <a:spcPts val="0"/>
+              </a:spcAft>
+              <a:buNone/>
+            </a:pPr>
+            <a:endParaRPr/>
+          </a:p>
+        </p:txBody>
+      </p:sp>
+      <p:sp>
+        <p:nvSpPr>
+          <p:cNvPr id="108" name="Google Shape;108;g3325fc20f3f_0_28:notes">
+            <a:extLst>
+              <a:ext uri="{FF2B5EF4-FFF2-40B4-BE49-F238E27FC236}">
+                <a16:creationId xmlns:a16="http://schemas.microsoft.com/office/drawing/2014/main" id="{3A43FB2E-4EE4-D3C5-1607-E16CD589C75D}"/>
+              </a:ext>
+            </a:extLst>
+          </p:cNvPr>
+          <p:cNvSpPr>
+            <a:spLocks noGrp="1" noRot="1" noChangeAspect="1"/>
+          </p:cNvSpPr>
+          <p:nvPr>
+            <p:ph type="sldImg" idx="2"/>
+          </p:nvPr>
+        </p:nvSpPr>
+        <p:spPr>
+          <a:xfrm>
+            <a:off x="381000" y="685800"/>
+            <a:ext cx="6096000" cy="3429000"/>
+          </a:xfrm>
+          <a:custGeom>
+            <a:avLst/>
+            <a:gdLst/>
+            <a:ahLst/>
+            <a:cxnLst/>
+            <a:rect l="l" t="t" r="r" b="b"/>
+            <a:pathLst>
+              <a:path w="120000" h="120000" extrusionOk="0">
+                <a:moveTo>
+                  <a:pt x="0" y="0"/>
+                </a:moveTo>
+                <a:lnTo>
+                  <a:pt x="120000" y="0"/>
+                </a:lnTo>
+                <a:lnTo>
+                  <a:pt x="120000" y="120000"/>
+                </a:lnTo>
+                <a:lnTo>
+                  <a:pt x="0" y="120000"/>
+                </a:lnTo>
+                <a:close/>
+              </a:path>
+            </a:pathLst>
+          </a:custGeom>
+        </p:spPr>
+      </p:sp>
+    </p:spTree>
+    <p:extLst>
+      <p:ext uri="{BB962C8B-B14F-4D97-AF65-F5344CB8AC3E}">
+        <p14:creationId xmlns:p14="http://schemas.microsoft.com/office/powerpoint/2010/main" val="3192125926"/>
+      </p:ext>
+    </p:extLst>
+  </p:cSld>
+  <p:clrMapOvr>
+    <a:masterClrMapping/>
+  </p:clrMapOvr>
+</p:notes>
+</file>
+
+<file path=ppt/notesSlides/notesSlide5.xml><?xml version="1.0" encoding="utf-8"?>
+<p:notes xmlns:a="http://schemas.openxmlformats.org/drawingml/2006/main" xmlns:r="http://schemas.openxmlformats.org/officeDocument/2006/relationships" xmlns:p="http://schemas.openxmlformats.org/presentationml/2006/main" showMasterSp="0" showMasterPhAnim="0">
+  <p:cSld>
+    <p:spTree>
+      <p:nvGrpSpPr>
         <p:cNvPr id="1" name="Shape 113"/>
         <p:cNvGrpSpPr/>
         <p:nvPr/>
@@ -1123,7 +1252,7 @@
 </p:notes>
 </file>
 
-<file path=ppt/notesSlides/notesSlide5.xml><?xml version="1.0" encoding="utf-8"?>
+<file path=ppt/notesSlides/notesSlide6.xml><?xml version="1.0" encoding="utf-8"?>
 <p:notes xmlns:a="http://schemas.openxmlformats.org/drawingml/2006/main" xmlns:r="http://schemas.openxmlformats.org/officeDocument/2006/relationships" xmlns:p="http://schemas.openxmlformats.org/presentationml/2006/main" showMasterSp="0" showMasterPhAnim="0">
   <p:cSld>
     <p:spTree>
@@ -1227,7 +1356,134 @@
 </p:notes>
 </file>
 
-<file path=ppt/notesSlides/notesSlide6.xml><?xml version="1.0" encoding="utf-8"?>
+<file path=ppt/notesSlides/notesSlide7.xml><?xml version="1.0" encoding="utf-8"?>
+<p:notes xmlns:a="http://schemas.openxmlformats.org/drawingml/2006/main" xmlns:r="http://schemas.openxmlformats.org/officeDocument/2006/relationships" xmlns:p="http://schemas.openxmlformats.org/presentationml/2006/main" showMasterSp="0" showMasterPhAnim="0">
+  <p:cSld>
+    <p:spTree>
+      <p:nvGrpSpPr>
+        <p:cNvPr id="1" name="Shape 120">
+          <a:extLst>
+            <a:ext uri="{FF2B5EF4-FFF2-40B4-BE49-F238E27FC236}">
+              <a16:creationId xmlns:a16="http://schemas.microsoft.com/office/drawing/2014/main" id="{9140C32B-B7F0-4F5A-051B-BE4D964EF0FD}"/>
+            </a:ext>
+          </a:extLst>
+        </p:cNvPr>
+        <p:cNvGrpSpPr/>
+        <p:nvPr/>
+      </p:nvGrpSpPr>
+      <p:grpSpPr>
+        <a:xfrm>
+          <a:off x="0" y="0"/>
+          <a:ext cx="0" cy="0"/>
+          <a:chOff x="0" y="0"/>
+          <a:chExt cx="0" cy="0"/>
+        </a:xfrm>
+      </p:grpSpPr>
+      <p:sp>
+        <p:nvSpPr>
+          <p:cNvPr id="121" name="Google Shape;121;g3325fc20f3f_0_40:notes">
+            <a:extLst>
+              <a:ext uri="{FF2B5EF4-FFF2-40B4-BE49-F238E27FC236}">
+                <a16:creationId xmlns:a16="http://schemas.microsoft.com/office/drawing/2014/main" id="{339D6ECF-D9C2-E2F9-2BE6-01939A1F1A4C}"/>
+              </a:ext>
+            </a:extLst>
+          </p:cNvPr>
+          <p:cNvSpPr txBox="1">
+            <a:spLocks noGrp="1"/>
+          </p:cNvSpPr>
+          <p:nvPr>
+            <p:ph type="body" idx="1"/>
+          </p:nvPr>
+        </p:nvSpPr>
+        <p:spPr>
+          <a:xfrm>
+            <a:off x="685800" y="4343400"/>
+            <a:ext cx="5486400" cy="4114800"/>
+          </a:xfrm>
+          <a:prstGeom prst="rect">
+            <a:avLst/>
+          </a:prstGeom>
+        </p:spPr>
+        <p:txBody>
+          <a:bodyPr spcFirstLastPara="1" wrap="square" lIns="91425" tIns="91425" rIns="91425" bIns="91425" anchor="t" anchorCtr="0">
+            <a:noAutofit/>
+          </a:bodyPr>
+          <a:lstStyle/>
+          <a:p>
+            <a:pPr marL="0" lvl="0" indent="0" algn="l" rtl="0">
+              <a:spcBef>
+                <a:spcPts val="0"/>
+              </a:spcBef>
+              <a:spcAft>
+                <a:spcPts val="0"/>
+              </a:spcAft>
+              <a:buNone/>
+            </a:pPr>
+            <a:endParaRPr/>
+          </a:p>
+        </p:txBody>
+      </p:sp>
+      <p:sp>
+        <p:nvSpPr>
+          <p:cNvPr id="122" name="Google Shape;122;g3325fc20f3f_0_40:notes">
+            <a:extLst>
+              <a:ext uri="{FF2B5EF4-FFF2-40B4-BE49-F238E27FC236}">
+                <a16:creationId xmlns:a16="http://schemas.microsoft.com/office/drawing/2014/main" id="{CD26548D-785D-387F-1225-D27E8E131C7B}"/>
+              </a:ext>
+            </a:extLst>
+          </p:cNvPr>
+          <p:cNvSpPr>
+            <a:spLocks noGrp="1" noRot="1" noChangeAspect="1"/>
+          </p:cNvSpPr>
+          <p:nvPr>
+            <p:ph type="sldImg" idx="2"/>
+          </p:nvPr>
+        </p:nvSpPr>
+        <p:spPr>
+          <a:xfrm>
+            <a:off x="381000" y="685800"/>
+            <a:ext cx="6096000" cy="3429000"/>
+          </a:xfrm>
+          <a:custGeom>
+            <a:avLst/>
+            <a:gdLst/>
+            <a:ahLst/>
+            <a:cxnLst/>
+            <a:rect l="l" t="t" r="r" b="b"/>
+            <a:pathLst>
+              <a:path w="120000" h="120000" extrusionOk="0">
+                <a:moveTo>
+                  <a:pt x="0" y="0"/>
+                </a:moveTo>
+                <a:lnTo>
+                  <a:pt x="120000" y="0"/>
+                </a:lnTo>
+                <a:lnTo>
+                  <a:pt x="120000" y="120000"/>
+                </a:lnTo>
+                <a:lnTo>
+                  <a:pt x="0" y="120000"/>
+                </a:lnTo>
+                <a:close/>
+              </a:path>
+            </a:pathLst>
+          </a:custGeom>
+        </p:spPr>
+      </p:sp>
+    </p:spTree>
+    <p:extLst>
+      <p:ext uri="{BB962C8B-B14F-4D97-AF65-F5344CB8AC3E}">
+        <p14:creationId xmlns:p14="http://schemas.microsoft.com/office/powerpoint/2010/main" val="1022974800"/>
+      </p:ext>
+    </p:extLst>
+  </p:cSld>
+  <p:clrMapOvr>
+    <a:masterClrMapping/>
+  </p:clrMapOvr>
+</p:notes>
+</file>
+
+<file path=ppt/notesSlides/notesSlide8.xml><?xml version="1.0" encoding="utf-8"?>
 <p:notes xmlns:a="http://schemas.openxmlformats.org/drawingml/2006/main" xmlns:r="http://schemas.openxmlformats.org/officeDocument/2006/relationships" xmlns:p="http://schemas.openxmlformats.org/presentationml/2006/main" showMasterSp="0" showMasterPhAnim="0">
   <p:cSld>
     <p:spTree>
@@ -1331,7 +1587,7 @@
 </p:notes>
 </file>
 
-<file path=ppt/notesSlides/notesSlide7.xml><?xml version="1.0" encoding="utf-8"?>
+<file path=ppt/notesSlides/notesSlide9.xml><?xml version="1.0" encoding="utf-8"?>
 <p:notes xmlns:a="http://schemas.openxmlformats.org/drawingml/2006/main" xmlns:r="http://schemas.openxmlformats.org/officeDocument/2006/relationships" xmlns:p="http://schemas.openxmlformats.org/presentationml/2006/main" showMasterSp="0" showMasterPhAnim="0">
   <p:cSld>
     <p:spTree>
@@ -8082,7 +8338,51 @@
                 <a:effectLst/>
                 <a:latin typeface="+mn-lt"/>
               </a:rPr>
-              <a:t>) is a health monitoring app that's a joint project between the Macau government and CTM (Companhia de Telecomunicações de Macau), my previous employer. I was part of the development team, working on making this app help keep the elderly in Macau safe and healthy. We use wearable tech to keep an eye on their health in real time.</a:t>
+              <a:t>) is a health monitoring system that's a joint project between the Macau government and CTM (Companhia de Telecomunicações de Macau), my previous employer. </a:t>
+            </a:r>
+          </a:p>
+          <a:p>
+            <a:pPr marL="0" lvl="0" indent="0" algn="l" rtl="0">
+              <a:lnSpc>
+                <a:spcPct val="150000"/>
+              </a:lnSpc>
+              <a:spcBef>
+                <a:spcPts val="0"/>
+              </a:spcBef>
+              <a:spcAft>
+                <a:spcPts val="0"/>
+              </a:spcAft>
+              <a:buNone/>
+            </a:pPr>
+            <a:endParaRPr lang="en-US" sz="1600" dirty="0">
+              <a:solidFill>
+                <a:schemeClr val="tx1"/>
+              </a:solidFill>
+              <a:latin typeface="+mn-lt"/>
+            </a:endParaRPr>
+          </a:p>
+          <a:p>
+            <a:pPr marL="0" lvl="0" indent="0" algn="l" rtl="0">
+              <a:lnSpc>
+                <a:spcPct val="150000"/>
+              </a:lnSpc>
+              <a:spcBef>
+                <a:spcPts val="0"/>
+              </a:spcBef>
+              <a:spcAft>
+                <a:spcPts val="0"/>
+              </a:spcAft>
+              <a:buNone/>
+            </a:pPr>
+            <a:r>
+              <a:rPr lang="en-US" sz="1600" b="0" i="0" dirty="0">
+                <a:solidFill>
+                  <a:schemeClr val="tx1"/>
+                </a:solidFill>
+                <a:effectLst/>
+                <a:latin typeface="+mn-lt"/>
+              </a:rPr>
+              <a:t>We use wearable tech to keep an eye on their health in real-time.</a:t>
             </a:r>
             <a:endParaRPr sz="1100" dirty="0">
               <a:solidFill>
@@ -8095,13 +8395,25 @@
       </p:sp>
       <p:pic>
         <p:nvPicPr>
-          <p:cNvPr id="77" name="Google Shape;77;p16"/>
-          <p:cNvPicPr preferRelativeResize="0"/>
+          <p:cNvPr id="4" name="图形 3">
+            <a:extLst>
+              <a:ext uri="{FF2B5EF4-FFF2-40B4-BE49-F238E27FC236}">
+                <a16:creationId xmlns:a16="http://schemas.microsoft.com/office/drawing/2014/main" id="{E172025B-D15C-A0F0-F507-FFE9F14A73E2}"/>
+              </a:ext>
+            </a:extLst>
+          </p:cNvPr>
+          <p:cNvPicPr>
+            <a:picLocks noChangeAspect="1"/>
+          </p:cNvPicPr>
           <p:nvPr/>
         </p:nvPicPr>
         <p:blipFill>
           <a:blip r:embed="rId3">
-            <a:alphaModFix/>
+            <a:extLst>
+              <a:ext uri="{96DAC541-7B7A-43D3-8B79-37D633B846F1}">
+                <asvg:svgBlip xmlns:asvg="http://schemas.microsoft.com/office/drawing/2016/SVG/main" r:embed="rId4"/>
+              </a:ext>
+            </a:extLst>
           </a:blip>
           <a:stretch>
             <a:fillRect/>
@@ -8109,8 +8421,79 @@
         </p:blipFill>
         <p:spPr>
           <a:xfrm>
-            <a:off x="5573241" y="642324"/>
-            <a:ext cx="2494985" cy="3743375"/>
+            <a:off x="5485762" y="929100"/>
+            <a:ext cx="3028950" cy="914400"/>
+          </a:xfrm>
+          <a:prstGeom prst="rect">
+            <a:avLst/>
+          </a:prstGeom>
+        </p:spPr>
+      </p:pic>
+      <p:pic>
+        <p:nvPicPr>
+          <p:cNvPr id="1028" name="Picture 4" descr="CTM logo and symbol, meaning, history, PNG">
+            <a:extLst>
+              <a:ext uri="{FF2B5EF4-FFF2-40B4-BE49-F238E27FC236}">
+                <a16:creationId xmlns:a16="http://schemas.microsoft.com/office/drawing/2014/main" id="{BDF8493C-7EEF-2CB5-E2D6-C3772FB52612}"/>
+              </a:ext>
+            </a:extLst>
+          </p:cNvPr>
+          <p:cNvPicPr>
+            <a:picLocks noChangeAspect="1" noChangeArrowheads="1"/>
+          </p:cNvPicPr>
+          <p:nvPr/>
+        </p:nvPicPr>
+        <p:blipFill>
+          <a:blip r:embed="rId5">
+            <a:extLst>
+              <a:ext uri="{28A0092B-C50C-407E-A947-70E740481C1C}">
+                <a14:useLocalDpi xmlns:a14="http://schemas.microsoft.com/office/drawing/2010/main" val="0"/>
+              </a:ext>
+            </a:extLst>
+          </a:blip>
+          <a:srcRect/>
+          <a:stretch>
+            <a:fillRect/>
+          </a:stretch>
+        </p:blipFill>
+        <p:spPr bwMode="auto">
+          <a:xfrm>
+            <a:off x="5974632" y="2356827"/>
+            <a:ext cx="2540080" cy="1270040"/>
+          </a:xfrm>
+          <a:prstGeom prst="rect">
+            <a:avLst/>
+          </a:prstGeom>
+          <a:noFill/>
+          <a:extLst>
+            <a:ext uri="{909E8E84-426E-40DD-AFC4-6F175D3DCCD1}">
+              <a14:hiddenFill xmlns:a14="http://schemas.microsoft.com/office/drawing/2010/main">
+                <a:solidFill>
+                  <a:srgbClr val="FFFFFF"/>
+                </a:solidFill>
+              </a14:hiddenFill>
+            </a:ext>
+          </a:extLst>
+        </p:spPr>
+      </p:pic>
+      <p:sp>
+        <p:nvSpPr>
+          <p:cNvPr id="5" name="Rectangle 5">
+            <a:extLst>
+              <a:ext uri="{FF2B5EF4-FFF2-40B4-BE49-F238E27FC236}">
+                <a16:creationId xmlns:a16="http://schemas.microsoft.com/office/drawing/2014/main" id="{6A960922-7E09-C0F8-A542-069E92B2138F}"/>
+              </a:ext>
+            </a:extLst>
+          </p:cNvPr>
+          <p:cNvSpPr>
+            <a:spLocks noChangeArrowheads="1"/>
+          </p:cNvSpPr>
+          <p:nvPr/>
+        </p:nvSpPr>
+        <p:spPr bwMode="auto">
+          <a:xfrm>
+            <a:off x="6383380" y="1755819"/>
+            <a:ext cx="1822935" cy="246221"/>
           </a:xfrm>
           <a:prstGeom prst="rect">
             <a:avLst/>
@@ -8119,18 +8502,95 @@
           <a:ln>
             <a:noFill/>
           </a:ln>
+          <a:effectLst/>
+          <a:extLst>
+            <a:ext uri="{909E8E84-426E-40DD-AFC4-6F175D3DCCD1}">
+              <a14:hiddenFill xmlns:a14="http://schemas.microsoft.com/office/drawing/2010/main">
+                <a:solidFill>
+                  <a:schemeClr val="accent1"/>
+                </a:solidFill>
+              </a14:hiddenFill>
+            </a:ext>
+            <a:ext uri="{91240B29-F687-4F45-9708-019B960494DF}">
+              <a14:hiddenLine xmlns:a14="http://schemas.microsoft.com/office/drawing/2010/main" w="9525">
+                <a:solidFill>
+                  <a:schemeClr val="tx1"/>
+                </a:solidFill>
+                <a:miter lim="800000"/>
+                <a:headEnd/>
+                <a:tailEnd/>
+              </a14:hiddenLine>
+            </a:ext>
+            <a:ext uri="{AF507438-7753-43E0-B8FC-AC1667EBCBE1}">
+              <a14:hiddenEffects xmlns:a14="http://schemas.microsoft.com/office/drawing/2010/main">
+                <a:effectLst>
+                  <a:outerShdw dist="35921" dir="2700000" algn="ctr" rotWithShape="0">
+                    <a:schemeClr val="bg2"/>
+                  </a:outerShdw>
+                </a:effectLst>
+              </a14:hiddenEffects>
+            </a:ext>
+          </a:extLst>
         </p:spPr>
-      </p:pic>
+        <p:txBody>
+          <a:bodyPr vert="horz" wrap="none" lIns="91440" tIns="45720" rIns="91440" bIns="45720" numCol="1" anchor="ctr" anchorCtr="0" compatLnSpc="1">
+            <a:prstTxWarp prst="textNoShape">
+              <a:avLst/>
+            </a:prstTxWarp>
+            <a:spAutoFit/>
+          </a:bodyPr>
+          <a:lstStyle/>
+          <a:p>
+            <a:pPr marL="0" marR="0" lvl="0" indent="0" algn="l" defTabSz="914400" rtl="0" eaLnBrk="0" fontAlgn="base" latinLnBrk="0" hangingPunct="0">
+              <a:lnSpc>
+                <a:spcPct val="100000"/>
+              </a:lnSpc>
+              <a:spcBef>
+                <a:spcPct val="0"/>
+              </a:spcBef>
+              <a:spcAft>
+                <a:spcPct val="0"/>
+              </a:spcAft>
+              <a:buClrTx/>
+              <a:buSzTx/>
+              <a:buFontTx/>
+              <a:buNone/>
+              <a:tabLst/>
+            </a:pPr>
+            <a:r>
+              <a:rPr kumimoji="0" lang="en-US" altLang="en-US" sz="1000" b="0" i="0" u="none" strike="noStrike" cap="none" normalizeH="0" baseline="0" dirty="0">
+                <a:ln>
+                  <a:noFill/>
+                </a:ln>
+                <a:solidFill>
+                  <a:schemeClr val="tx1"/>
+                </a:solidFill>
+                <a:effectLst/>
+                <a:latin typeface="Arial" panose="020B0604020202020204" pitchFamily="34" charset="0"/>
+              </a:rPr>
+              <a:t>(Social Welfare Bureau, n.d.)</a:t>
+            </a:r>
+          </a:p>
+        </p:txBody>
+      </p:sp>
       <p:sp>
         <p:nvSpPr>
-          <p:cNvPr id="78" name="Google Shape;78;p16"/>
-          <p:cNvSpPr txBox="1"/>
+          <p:cNvPr id="6" name="Rectangle 6">
+            <a:extLst>
+              <a:ext uri="{FF2B5EF4-FFF2-40B4-BE49-F238E27FC236}">
+                <a16:creationId xmlns:a16="http://schemas.microsoft.com/office/drawing/2014/main" id="{EC37221E-5709-DB57-FEF0-D9D2FE246A2A}"/>
+              </a:ext>
+            </a:extLst>
+          </p:cNvPr>
+          <p:cNvSpPr>
+            <a:spLocks noChangeArrowheads="1"/>
+          </p:cNvSpPr>
           <p:nvPr/>
         </p:nvSpPr>
-        <p:spPr>
+        <p:spPr bwMode="auto">
           <a:xfrm>
-            <a:off x="6158938" y="4334500"/>
-            <a:ext cx="1323600" cy="354000"/>
+            <a:off x="6878709" y="3451504"/>
+            <a:ext cx="832279" cy="246221"/>
           </a:xfrm>
           <a:prstGeom prst="rect">
             <a:avLst/>
@@ -8139,31 +8599,100 @@
           <a:ln>
             <a:noFill/>
           </a:ln>
+          <a:effectLst/>
+          <a:extLst>
+            <a:ext uri="{909E8E84-426E-40DD-AFC4-6F175D3DCCD1}">
+              <a14:hiddenFill xmlns:a14="http://schemas.microsoft.com/office/drawing/2010/main">
+                <a:solidFill>
+                  <a:schemeClr val="accent1"/>
+                </a:solidFill>
+              </a14:hiddenFill>
+            </a:ext>
+            <a:ext uri="{91240B29-F687-4F45-9708-019B960494DF}">
+              <a14:hiddenLine xmlns:a14="http://schemas.microsoft.com/office/drawing/2010/main" w="9525">
+                <a:solidFill>
+                  <a:schemeClr val="tx1"/>
+                </a:solidFill>
+                <a:miter lim="800000"/>
+                <a:headEnd/>
+                <a:tailEnd/>
+              </a14:hiddenLine>
+            </a:ext>
+            <a:ext uri="{AF507438-7753-43E0-B8FC-AC1667EBCBE1}">
+              <a14:hiddenEffects xmlns:a14="http://schemas.microsoft.com/office/drawing/2010/main">
+                <a:effectLst>
+                  <a:outerShdw dist="35921" dir="2700000" algn="ctr" rotWithShape="0">
+                    <a:schemeClr val="bg2"/>
+                  </a:outerShdw>
+                </a:effectLst>
+              </a14:hiddenEffects>
+            </a:ext>
+          </a:extLst>
         </p:spPr>
         <p:txBody>
-          <a:bodyPr spcFirstLastPara="1" wrap="square" lIns="91425" tIns="91425" rIns="91425" bIns="91425" anchor="t" anchorCtr="0">
+          <a:bodyPr vert="horz" wrap="none" lIns="91440" tIns="45720" rIns="91440" bIns="45720" numCol="1" anchor="ctr" anchorCtr="0" compatLnSpc="1">
+            <a:prstTxWarp prst="textNoShape">
+              <a:avLst/>
+            </a:prstTxWarp>
             <a:spAutoFit/>
           </a:bodyPr>
           <a:lstStyle/>
           <a:p>
-            <a:pPr marL="0" lvl="0" indent="0" algn="l" rtl="0">
-              <a:spcBef>
-                <a:spcPts val="0"/>
-              </a:spcBef>
-              <a:spcAft>
-                <a:spcPts val="0"/>
-              </a:spcAft>
-              <a:buNone/>
+            <a:pPr marL="0" marR="0" lvl="0" indent="0" algn="l" defTabSz="914400" rtl="0" eaLnBrk="0" fontAlgn="base" latinLnBrk="0" hangingPunct="0">
+              <a:lnSpc>
+                <a:spcPct val="100000"/>
+              </a:lnSpc>
+              <a:spcBef>
+                <a:spcPct val="0"/>
+              </a:spcBef>
+              <a:spcAft>
+                <a:spcPct val="0"/>
+              </a:spcAft>
+              <a:buClrTx/>
+              <a:buSzTx/>
+              <a:buFontTx/>
+              <a:buNone/>
+              <a:tabLst/>
             </a:pPr>
             <a:r>
-              <a:rPr lang="en-CA" sz="1100">
-                <a:latin typeface="+mn-lt"/>
+              <a:rPr kumimoji="0" lang="en-US" altLang="en-US" sz="1000" b="0" i="0" u="none" strike="noStrike" cap="none" normalizeH="0" baseline="0" dirty="0">
+                <a:ln>
+                  <a:noFill/>
+                </a:ln>
+                <a:solidFill>
+                  <a:schemeClr val="tx1"/>
+                </a:solidFill>
+                <a:effectLst/>
+                <a:latin typeface="Arial" panose="020B0604020202020204" pitchFamily="34" charset="0"/>
               </a:rPr>
-              <a:t>(Sigmund, 2020)</a:t>
+              <a:t>(</a:t>
             </a:r>
-            <a:endParaRPr sz="1100">
-              <a:latin typeface="+mn-lt"/>
-            </a:endParaRPr>
+            <a:r>
+              <a:rPr kumimoji="0" lang="en-US" altLang="en-US" sz="1000" b="0" i="1" u="none" strike="noStrike" cap="none" normalizeH="0" baseline="0" dirty="0">
+                <a:ln>
+                  <a:noFill/>
+                </a:ln>
+                <a:solidFill>
+                  <a:schemeClr val="tx1"/>
+                </a:solidFill>
+                <a:effectLst/>
+                <a:latin typeface="Arial" panose="020B0604020202020204" pitchFamily="34" charset="0"/>
+              </a:rPr>
+              <a:t>CTM</a:t>
+            </a:r>
+            <a:r>
+              <a:rPr kumimoji="0" lang="en-US" altLang="en-US" sz="1000" b="0" i="0" u="none" strike="noStrike" cap="none" normalizeH="0" baseline="0" dirty="0">
+                <a:ln>
+                  <a:noFill/>
+                </a:ln>
+                <a:solidFill>
+                  <a:schemeClr val="tx1"/>
+                </a:solidFill>
+                <a:effectLst/>
+                <a:latin typeface="Arial" panose="020B0604020202020204" pitchFamily="34" charset="0"/>
+              </a:rPr>
+              <a:t>, n.d.)</a:t>
+            </a:r>
           </a:p>
         </p:txBody>
       </p:sp>
@@ -8247,7 +8776,7 @@
         <p:spPr>
           <a:xfrm>
             <a:off x="243425" y="232825"/>
-            <a:ext cx="8657100" cy="656100"/>
+            <a:ext cx="8657100" cy="441597"/>
           </a:xfrm>
           <a:prstGeom prst="rect">
             <a:avLst/>
@@ -8273,18 +8802,13 @@
               <a:buNone/>
             </a:pPr>
             <a:r>
-              <a:rPr lang="en-CA" sz="1800" b="1">
+              <a:rPr lang="en-CA" sz="1800" b="1" dirty="0">
                 <a:solidFill>
                   <a:srgbClr val="00673E"/>
                 </a:solidFill>
               </a:rPr>
-              <a:t>Title</a:t>
+              <a:t>System Structure</a:t>
             </a:r>
-            <a:endParaRPr sz="1800" b="1">
-              <a:solidFill>
-                <a:srgbClr val="00673E"/>
-              </a:solidFill>
-            </a:endParaRPr>
           </a:p>
         </p:txBody>
       </p:sp>
@@ -8296,8 +8820,8 @@
         </p:nvSpPr>
         <p:spPr>
           <a:xfrm>
-            <a:off x="243450" y="946125"/>
-            <a:ext cx="8657100" cy="3456600"/>
+            <a:off x="243449" y="958535"/>
+            <a:ext cx="4067293" cy="3104013"/>
           </a:xfrm>
           <a:prstGeom prst="rect">
             <a:avLst/>
@@ -8323,10 +8847,380 @@
               <a:buNone/>
             </a:pPr>
             <a:r>
-              <a:rPr lang="en-CA"/>
-              <a:t>Content</a:t>
+              <a:rPr lang="en-US" sz="1600" dirty="0">
+                <a:solidFill>
+                  <a:srgbClr val="080808"/>
+                </a:solidFill>
+                <a:latin typeface="+mn-lt"/>
+              </a:rPr>
+              <a:t>For the </a:t>
             </a:r>
-            <a:endParaRPr/>
+            <a:r>
+              <a:rPr lang="en-US" sz="1600" b="1" i="0" dirty="0">
+                <a:solidFill>
+                  <a:srgbClr val="080808"/>
+                </a:solidFill>
+                <a:effectLst/>
+                <a:latin typeface="+mn-lt"/>
+              </a:rPr>
+              <a:t>POT (</a:t>
+            </a:r>
+            <a:r>
+              <a:rPr lang="en-US" sz="1600" b="1" i="0" dirty="0" err="1">
+                <a:solidFill>
+                  <a:srgbClr val="080808"/>
+                </a:solidFill>
+                <a:effectLst/>
+                <a:latin typeface="+mn-lt"/>
+              </a:rPr>
+              <a:t>平安通</a:t>
+            </a:r>
+            <a:r>
+              <a:rPr lang="en-US" sz="1600" b="1" i="0" dirty="0">
+                <a:solidFill>
+                  <a:srgbClr val="080808"/>
+                </a:solidFill>
+                <a:effectLst/>
+                <a:latin typeface="+mn-lt"/>
+              </a:rPr>
+              <a:t>)</a:t>
+            </a:r>
+            <a:r>
+              <a:rPr lang="en-US" sz="1600" b="0" i="0" dirty="0">
+                <a:solidFill>
+                  <a:srgbClr val="080808"/>
+                </a:solidFill>
+                <a:effectLst/>
+                <a:latin typeface="+mn-lt"/>
+              </a:rPr>
+              <a:t> health monitoring system, we've built a </a:t>
+            </a:r>
+            <a:r>
+              <a:rPr lang="en-US" sz="1600" b="1" i="0" dirty="0">
+                <a:solidFill>
+                  <a:srgbClr val="080808"/>
+                </a:solidFill>
+                <a:effectLst/>
+                <a:latin typeface="+mn-lt"/>
+              </a:rPr>
+              <a:t>hybrid architecture: </a:t>
+            </a:r>
+            <a:r>
+              <a:rPr lang="en-US" sz="1600" b="0" i="0" dirty="0">
+                <a:solidFill>
+                  <a:srgbClr val="080808"/>
+                </a:solidFill>
+                <a:effectLst/>
+                <a:latin typeface="+mn-lt"/>
+              </a:rPr>
+              <a:t>using </a:t>
+            </a:r>
+            <a:r>
+              <a:rPr lang="en-US" sz="1600" b="1" i="0" dirty="0">
+                <a:solidFill>
+                  <a:srgbClr val="080808"/>
+                </a:solidFill>
+                <a:effectLst/>
+                <a:latin typeface="+mn-lt"/>
+              </a:rPr>
+              <a:t>REST APIs</a:t>
+            </a:r>
+            <a:r>
+              <a:rPr lang="en-US" sz="1600" b="0" i="0" dirty="0">
+                <a:solidFill>
+                  <a:srgbClr val="080808"/>
+                </a:solidFill>
+                <a:effectLst/>
+                <a:latin typeface="+mn-lt"/>
+              </a:rPr>
+              <a:t> for data management</a:t>
+            </a:r>
+          </a:p>
+          <a:p>
+            <a:pPr marL="0" lvl="0" indent="0" algn="l" rtl="0">
+              <a:spcBef>
+                <a:spcPts val="0"/>
+              </a:spcBef>
+              <a:spcAft>
+                <a:spcPts val="0"/>
+              </a:spcAft>
+              <a:buNone/>
+            </a:pPr>
+            <a:r>
+              <a:rPr lang="en-US" sz="1600" b="0" i="0" dirty="0">
+                <a:solidFill>
+                  <a:srgbClr val="080808"/>
+                </a:solidFill>
+                <a:effectLst/>
+                <a:latin typeface="+mn-lt"/>
+              </a:rPr>
+              <a:t>and </a:t>
+            </a:r>
+            <a:r>
+              <a:rPr lang="en-US" sz="1600" b="1" i="0" dirty="0" err="1">
+                <a:solidFill>
+                  <a:srgbClr val="080808"/>
+                </a:solidFill>
+                <a:effectLst/>
+                <a:latin typeface="+mn-lt"/>
+              </a:rPr>
+              <a:t>WebSockets</a:t>
+            </a:r>
+            <a:r>
+              <a:rPr lang="en-US" sz="1600" b="0" i="0" dirty="0">
+                <a:solidFill>
+                  <a:srgbClr val="080808"/>
+                </a:solidFill>
+                <a:effectLst/>
+                <a:latin typeface="+mn-lt"/>
+              </a:rPr>
+              <a:t> for real-time communication.</a:t>
+            </a:r>
+          </a:p>
+          <a:p>
+            <a:pPr marL="0" lvl="0" indent="0" algn="l" rtl="0">
+              <a:spcBef>
+                <a:spcPts val="0"/>
+              </a:spcBef>
+              <a:spcAft>
+                <a:spcPts val="0"/>
+              </a:spcAft>
+              <a:buNone/>
+            </a:pPr>
+            <a:endParaRPr lang="en-US" sz="1600" dirty="0">
+              <a:solidFill>
+                <a:srgbClr val="080808"/>
+              </a:solidFill>
+              <a:latin typeface="+mn-lt"/>
+            </a:endParaRPr>
+          </a:p>
+          <a:p>
+            <a:pPr algn="l" fontAlgn="base">
+              <a:buFont typeface="Arial" panose="020B0604020202020204" pitchFamily="34" charset="0"/>
+              <a:buChar char="•"/>
+            </a:pPr>
+            <a:r>
+              <a:rPr lang="en-US" b="0" i="0" dirty="0">
+                <a:solidFill>
+                  <a:srgbClr val="080808"/>
+                </a:solidFill>
+                <a:effectLst/>
+                <a:latin typeface="+mn-lt"/>
+              </a:rPr>
+              <a:t>REST APIs</a:t>
+            </a:r>
+          </a:p>
+          <a:p>
+            <a:pPr algn="l" fontAlgn="base">
+              <a:buFont typeface="Arial" panose="020B0604020202020204" pitchFamily="34" charset="0"/>
+              <a:buChar char="•"/>
+            </a:pPr>
+            <a:r>
+              <a:rPr lang="en-US" b="0" i="0" dirty="0" err="1">
+                <a:solidFill>
+                  <a:srgbClr val="080808"/>
+                </a:solidFill>
+                <a:effectLst/>
+                <a:latin typeface="+mn-lt"/>
+              </a:rPr>
+              <a:t>WebSockets</a:t>
+            </a:r>
+            <a:endParaRPr lang="en-US" b="0" i="0" dirty="0">
+              <a:solidFill>
+                <a:srgbClr val="080808"/>
+              </a:solidFill>
+              <a:effectLst/>
+              <a:latin typeface="+mn-lt"/>
+            </a:endParaRPr>
+          </a:p>
+          <a:p>
+            <a:pPr algn="l" fontAlgn="base">
+              <a:buFont typeface="Arial" panose="020B0604020202020204" pitchFamily="34" charset="0"/>
+              <a:buChar char="•"/>
+            </a:pPr>
+            <a:r>
+              <a:rPr lang="en-US" b="0" i="0" dirty="0">
+                <a:solidFill>
+                  <a:srgbClr val="080808"/>
+                </a:solidFill>
+                <a:effectLst/>
+                <a:latin typeface="+mn-lt"/>
+              </a:rPr>
+              <a:t>Microservices</a:t>
+            </a:r>
+          </a:p>
+          <a:p>
+            <a:pPr algn="l" fontAlgn="base">
+              <a:buFont typeface="Arial" panose="020B0604020202020204" pitchFamily="34" charset="0"/>
+              <a:buChar char="•"/>
+            </a:pPr>
+            <a:r>
+              <a:rPr lang="en-US" b="0" i="0" dirty="0">
+                <a:solidFill>
+                  <a:srgbClr val="080808"/>
+                </a:solidFill>
+                <a:effectLst/>
+                <a:latin typeface="+mn-lt"/>
+              </a:rPr>
+              <a:t>Wearable Devices</a:t>
+            </a:r>
+          </a:p>
+          <a:p>
+            <a:pPr algn="l" fontAlgn="base">
+              <a:buFont typeface="Arial" panose="020B0604020202020204" pitchFamily="34" charset="0"/>
+              <a:buChar char="•"/>
+            </a:pPr>
+            <a:r>
+              <a:rPr lang="en-US" b="0" i="0" dirty="0">
+                <a:solidFill>
+                  <a:srgbClr val="080808"/>
+                </a:solidFill>
+                <a:effectLst/>
+                <a:latin typeface="+mn-lt"/>
+              </a:rPr>
+              <a:t>Monitoring Center</a:t>
+            </a:r>
+          </a:p>
+          <a:p>
+            <a:pPr marL="0" lvl="0" indent="0" algn="l" rtl="0">
+              <a:spcBef>
+                <a:spcPts val="0"/>
+              </a:spcBef>
+              <a:spcAft>
+                <a:spcPts val="0"/>
+              </a:spcAft>
+              <a:buNone/>
+            </a:pPr>
+            <a:endParaRPr sz="1800" dirty="0">
+              <a:latin typeface="+mn-lt"/>
+            </a:endParaRPr>
+          </a:p>
+        </p:txBody>
+      </p:sp>
+      <p:pic>
+        <p:nvPicPr>
+          <p:cNvPr id="5" name="图片 4" descr="桌子上放了电脑&#10;&#10;AI 生成的内容可能不正确。">
+            <a:extLst>
+              <a:ext uri="{FF2B5EF4-FFF2-40B4-BE49-F238E27FC236}">
+                <a16:creationId xmlns:a16="http://schemas.microsoft.com/office/drawing/2014/main" id="{2B3453A3-8584-C473-209E-F690C9CFC39B}"/>
+              </a:ext>
+            </a:extLst>
+          </p:cNvPr>
+          <p:cNvPicPr>
+            <a:picLocks noChangeAspect="1"/>
+          </p:cNvPicPr>
+          <p:nvPr/>
+        </p:nvPicPr>
+        <p:blipFill>
+          <a:blip r:embed="rId3"/>
+          <a:stretch>
+            <a:fillRect/>
+          </a:stretch>
+        </p:blipFill>
+        <p:spPr>
+          <a:xfrm>
+            <a:off x="4358640" y="892336"/>
+            <a:ext cx="4165498" cy="3018172"/>
+          </a:xfrm>
+          <a:prstGeom prst="rect">
+            <a:avLst/>
+          </a:prstGeom>
+        </p:spPr>
+      </p:pic>
+      <p:sp>
+        <p:nvSpPr>
+          <p:cNvPr id="6" name="Rectangle 3">
+            <a:extLst>
+              <a:ext uri="{FF2B5EF4-FFF2-40B4-BE49-F238E27FC236}">
+                <a16:creationId xmlns:a16="http://schemas.microsoft.com/office/drawing/2014/main" id="{002788D9-0E2C-22D1-6EBD-054E06DB68AF}"/>
+              </a:ext>
+            </a:extLst>
+          </p:cNvPr>
+          <p:cNvSpPr>
+            <a:spLocks noChangeArrowheads="1"/>
+          </p:cNvSpPr>
+          <p:nvPr/>
+        </p:nvSpPr>
+        <p:spPr bwMode="auto">
+          <a:xfrm>
+            <a:off x="5955137" y="3910508"/>
+            <a:ext cx="972504" cy="246221"/>
+          </a:xfrm>
+          <a:prstGeom prst="rect">
+            <a:avLst/>
+          </a:prstGeom>
+          <a:noFill/>
+          <a:ln>
+            <a:noFill/>
+          </a:ln>
+          <a:effectLst/>
+          <a:extLst>
+            <a:ext uri="{909E8E84-426E-40DD-AFC4-6F175D3DCCD1}">
+              <a14:hiddenFill xmlns:a14="http://schemas.microsoft.com/office/drawing/2010/main">
+                <a:solidFill>
+                  <a:schemeClr val="accent1"/>
+                </a:solidFill>
+              </a14:hiddenFill>
+            </a:ext>
+            <a:ext uri="{91240B29-F687-4F45-9708-019B960494DF}">
+              <a14:hiddenLine xmlns:a14="http://schemas.microsoft.com/office/drawing/2010/main" w="9525">
+                <a:solidFill>
+                  <a:schemeClr val="tx1"/>
+                </a:solidFill>
+                <a:miter lim="800000"/>
+                <a:headEnd/>
+                <a:tailEnd/>
+              </a14:hiddenLine>
+            </a:ext>
+            <a:ext uri="{AF507438-7753-43E0-B8FC-AC1667EBCBE1}">
+              <a14:hiddenEffects xmlns:a14="http://schemas.microsoft.com/office/drawing/2010/main">
+                <a:effectLst>
+                  <a:outerShdw dist="35921" dir="2700000" algn="ctr" rotWithShape="0">
+                    <a:schemeClr val="bg2"/>
+                  </a:outerShdw>
+                </a:effectLst>
+              </a14:hiddenEffects>
+            </a:ext>
+          </a:extLst>
+        </p:spPr>
+        <p:txBody>
+          <a:bodyPr vert="horz" wrap="square" lIns="91440" tIns="45720" rIns="91440" bIns="45720" numCol="1" anchor="ctr" anchorCtr="0" compatLnSpc="1">
+            <a:prstTxWarp prst="textNoShape">
+              <a:avLst/>
+            </a:prstTxWarp>
+            <a:spAutoFit/>
+          </a:bodyPr>
+          <a:lstStyle/>
+          <a:p>
+            <a:pPr marL="0" marR="0" lvl="0" indent="0" algn="l" defTabSz="914400" rtl="0" eaLnBrk="0" fontAlgn="base" latinLnBrk="0" hangingPunct="0">
+              <a:lnSpc>
+                <a:spcPct val="100000"/>
+              </a:lnSpc>
+              <a:spcBef>
+                <a:spcPct val="0"/>
+              </a:spcBef>
+              <a:spcAft>
+                <a:spcPct val="0"/>
+              </a:spcAft>
+              <a:buClrTx/>
+              <a:buSzTx/>
+              <a:buFontTx/>
+              <a:buNone/>
+              <a:tabLst/>
+            </a:pPr>
+            <a:r>
+              <a:rPr kumimoji="0" lang="en-US" altLang="en-US" sz="1000" b="0" i="0" u="none" strike="noStrike" cap="none" normalizeH="0" baseline="0" dirty="0">
+                <a:ln>
+                  <a:noFill/>
+                </a:ln>
+                <a:solidFill>
+                  <a:schemeClr val="tx1"/>
+                </a:solidFill>
+                <a:effectLst/>
+                <a:latin typeface="Arial" panose="020B0604020202020204" pitchFamily="34" charset="0"/>
+              </a:rPr>
+              <a:t>(Lopes, 2021)</a:t>
+            </a:r>
           </a:p>
         </p:txBody>
       </p:sp>
@@ -8339,6 +9233,235 @@
 </file>
 
 <file path=ppt/slides/slide4.xml><?xml version="1.0" encoding="utf-8"?>
+<p:sld xmlns:a="http://schemas.openxmlformats.org/drawingml/2006/main" xmlns:r="http://schemas.openxmlformats.org/officeDocument/2006/relationships" xmlns:p="http://schemas.openxmlformats.org/presentationml/2006/main">
+  <p:cSld>
+    <p:spTree>
+      <p:nvGrpSpPr>
+        <p:cNvPr id="1" name="Shape 109">
+          <a:extLst>
+            <a:ext uri="{FF2B5EF4-FFF2-40B4-BE49-F238E27FC236}">
+              <a16:creationId xmlns:a16="http://schemas.microsoft.com/office/drawing/2014/main" id="{AB4EE594-3349-4881-A78F-64FEAA4E60CF}"/>
+            </a:ext>
+          </a:extLst>
+        </p:cNvPr>
+        <p:cNvGrpSpPr/>
+        <p:nvPr/>
+      </p:nvGrpSpPr>
+      <p:grpSpPr>
+        <a:xfrm>
+          <a:off x="0" y="0"/>
+          <a:ext cx="0" cy="0"/>
+          <a:chOff x="0" y="0"/>
+          <a:chExt cx="0" cy="0"/>
+        </a:xfrm>
+      </p:grpSpPr>
+      <p:sp>
+        <p:nvSpPr>
+          <p:cNvPr id="110" name="Google Shape;110;p20">
+            <a:extLst>
+              <a:ext uri="{FF2B5EF4-FFF2-40B4-BE49-F238E27FC236}">
+                <a16:creationId xmlns:a16="http://schemas.microsoft.com/office/drawing/2014/main" id="{593BB8F8-21C5-7060-7BFD-15FB26E636B9}"/>
+              </a:ext>
+            </a:extLst>
+          </p:cNvPr>
+          <p:cNvSpPr txBox="1">
+            <a:spLocks noGrp="1"/>
+          </p:cNvSpPr>
+          <p:nvPr>
+            <p:ph type="sldNum" idx="12"/>
+          </p:nvPr>
+        </p:nvSpPr>
+        <p:spPr>
+          <a:xfrm>
+            <a:off x="111973" y="4779818"/>
+            <a:ext cx="297600" cy="273900"/>
+          </a:xfrm>
+          <a:prstGeom prst="rect">
+            <a:avLst/>
+          </a:prstGeom>
+          <a:noFill/>
+          <a:ln>
+            <a:noFill/>
+          </a:ln>
+        </p:spPr>
+        <p:txBody>
+          <a:bodyPr spcFirstLastPara="1" wrap="square" lIns="0" tIns="0" rIns="0" bIns="0" anchor="ctr" anchorCtr="0">
+            <a:normAutofit/>
+          </a:bodyPr>
+          <a:lstStyle/>
+          <a:p>
+            <a:pPr marL="0" lvl="0" indent="0" algn="l" rtl="0">
+              <a:spcBef>
+                <a:spcPts val="0"/>
+              </a:spcBef>
+              <a:spcAft>
+                <a:spcPts val="0"/>
+              </a:spcAft>
+              <a:buNone/>
+            </a:pPr>
+            <a:fld id="{00000000-1234-1234-1234-123412341234}" type="slidenum">
+              <a:rPr lang="en-CA" sz="800"/>
+              <a:t>4</a:t>
+            </a:fld>
+            <a:endParaRPr sz="800"/>
+          </a:p>
+        </p:txBody>
+      </p:sp>
+      <p:sp>
+        <p:nvSpPr>
+          <p:cNvPr id="111" name="Google Shape;111;p20">
+            <a:extLst>
+              <a:ext uri="{FF2B5EF4-FFF2-40B4-BE49-F238E27FC236}">
+                <a16:creationId xmlns:a16="http://schemas.microsoft.com/office/drawing/2014/main" id="{CEABAFF0-97FE-1956-7B9F-B7933333F39B}"/>
+              </a:ext>
+            </a:extLst>
+          </p:cNvPr>
+          <p:cNvSpPr txBox="1"/>
+          <p:nvPr/>
+        </p:nvSpPr>
+        <p:spPr>
+          <a:xfrm>
+            <a:off x="243425" y="232825"/>
+            <a:ext cx="8657100" cy="441597"/>
+          </a:xfrm>
+          <a:prstGeom prst="rect">
+            <a:avLst/>
+          </a:prstGeom>
+          <a:noFill/>
+          <a:ln>
+            <a:noFill/>
+          </a:ln>
+        </p:spPr>
+        <p:txBody>
+          <a:bodyPr spcFirstLastPara="1" wrap="square" lIns="91425" tIns="91425" rIns="91425" bIns="91425" anchor="t" anchorCtr="0">
+            <a:noAutofit/>
+          </a:bodyPr>
+          <a:lstStyle/>
+          <a:p>
+            <a:pPr marL="0" lvl="0" indent="0" algn="l" rtl="0">
+              <a:spcBef>
+                <a:spcPts val="0"/>
+              </a:spcBef>
+              <a:spcAft>
+                <a:spcPts val="0"/>
+              </a:spcAft>
+              <a:buNone/>
+            </a:pPr>
+            <a:r>
+              <a:rPr lang="en-US" sz="1800" b="1" dirty="0">
+                <a:solidFill>
+                  <a:srgbClr val="00673E"/>
+                </a:solidFill>
+              </a:rPr>
+              <a:t>REST APIs for Management Platform</a:t>
+            </a:r>
+            <a:endParaRPr lang="en-CA" sz="1800" b="1" dirty="0">
+              <a:solidFill>
+                <a:srgbClr val="00673E"/>
+              </a:solidFill>
+            </a:endParaRPr>
+          </a:p>
+        </p:txBody>
+      </p:sp>
+      <p:sp>
+        <p:nvSpPr>
+          <p:cNvPr id="112" name="Google Shape;112;p20">
+            <a:extLst>
+              <a:ext uri="{FF2B5EF4-FFF2-40B4-BE49-F238E27FC236}">
+                <a16:creationId xmlns:a16="http://schemas.microsoft.com/office/drawing/2014/main" id="{01124CB6-2FE6-BFE0-C4E2-A44CD0C3CE71}"/>
+              </a:ext>
+            </a:extLst>
+          </p:cNvPr>
+          <p:cNvSpPr txBox="1"/>
+          <p:nvPr/>
+        </p:nvSpPr>
+        <p:spPr>
+          <a:xfrm>
+            <a:off x="243450" y="958536"/>
+            <a:ext cx="3544779" cy="1613214"/>
+          </a:xfrm>
+          <a:prstGeom prst="rect">
+            <a:avLst/>
+          </a:prstGeom>
+          <a:noFill/>
+          <a:ln>
+            <a:noFill/>
+          </a:ln>
+        </p:spPr>
+        <p:txBody>
+          <a:bodyPr spcFirstLastPara="1" wrap="square" lIns="91425" tIns="91425" rIns="91425" bIns="91425" anchor="t" anchorCtr="0">
+            <a:noAutofit/>
+          </a:bodyPr>
+          <a:lstStyle/>
+          <a:p>
+            <a:pPr algn="l" fontAlgn="base">
+              <a:buFont typeface="Arial" panose="020B0604020202020204" pitchFamily="34" charset="0"/>
+              <a:buChar char="•"/>
+            </a:pPr>
+            <a:r>
+              <a:rPr lang="en-US" sz="1800" b="0" i="0" dirty="0">
+                <a:solidFill>
+                  <a:schemeClr val="tx1"/>
+                </a:solidFill>
+                <a:effectLst/>
+                <a:latin typeface="+mn-lt"/>
+              </a:rPr>
+              <a:t>In the POT, we use a REST API to handle data requests and updates between the management front-end and our microservices.</a:t>
+            </a:r>
+            <a:endParaRPr lang="en-US" b="0" i="0" dirty="0">
+              <a:solidFill>
+                <a:schemeClr val="tx1"/>
+              </a:solidFill>
+              <a:effectLst/>
+              <a:latin typeface="+mn-lt"/>
+            </a:endParaRPr>
+          </a:p>
+        </p:txBody>
+      </p:sp>
+      <p:pic>
+        <p:nvPicPr>
+          <p:cNvPr id="3" name="图片 2">
+            <a:extLst>
+              <a:ext uri="{FF2B5EF4-FFF2-40B4-BE49-F238E27FC236}">
+                <a16:creationId xmlns:a16="http://schemas.microsoft.com/office/drawing/2014/main" id="{1CBE158A-F281-3037-3731-54645195A03A}"/>
+              </a:ext>
+            </a:extLst>
+          </p:cNvPr>
+          <p:cNvPicPr>
+            <a:picLocks noChangeAspect="1"/>
+          </p:cNvPicPr>
+          <p:nvPr/>
+        </p:nvPicPr>
+        <p:blipFill>
+          <a:blip r:embed="rId3"/>
+          <a:stretch>
+            <a:fillRect/>
+          </a:stretch>
+        </p:blipFill>
+        <p:spPr>
+          <a:xfrm>
+            <a:off x="3935705" y="958536"/>
+            <a:ext cx="4463711" cy="2221115"/>
+          </a:xfrm>
+          <a:prstGeom prst="rect">
+            <a:avLst/>
+          </a:prstGeom>
+        </p:spPr>
+      </p:pic>
+    </p:spTree>
+    <p:extLst>
+      <p:ext uri="{BB962C8B-B14F-4D97-AF65-F5344CB8AC3E}">
+        <p14:creationId xmlns:p14="http://schemas.microsoft.com/office/powerpoint/2010/main" val="769454050"/>
+      </p:ext>
+    </p:extLst>
+  </p:cSld>
+  <p:clrMapOvr>
+    <a:masterClrMapping/>
+  </p:clrMapOvr>
+</p:sld>
+</file>
+
+<file path=ppt/slides/slide5.xml><?xml version="1.0" encoding="utf-8"?>
 <p:sld xmlns:a="http://schemas.openxmlformats.org/drawingml/2006/main" xmlns:r="http://schemas.openxmlformats.org/officeDocument/2006/relationships" xmlns:p="http://schemas.openxmlformats.org/presentationml/2006/main">
   <p:cSld>
     <p:spTree>
@@ -8395,7 +9518,7 @@
             </a:pPr>
             <a:fld id="{00000000-1234-1234-1234-123412341234}" type="slidenum">
               <a:rPr lang="en-CA" sz="800"/>
-              <a:t>4</a:t>
+              <a:t>5</a:t>
             </a:fld>
             <a:endParaRPr sz="800"/>
           </a:p>
@@ -8436,14 +9559,22 @@
               <a:buNone/>
             </a:pPr>
             <a:r>
-              <a:rPr lang="en-CA" sz="1800" b="1">
+              <a:rPr lang="en-CA" sz="1800" b="1" dirty="0" err="1">
                 <a:solidFill>
                   <a:srgbClr val="00673E"/>
                 </a:solidFill>
               </a:rPr>
-              <a:t>Title</a:t>
+              <a:t>WebSockets</a:t>
             </a:r>
-            <a:endParaRPr sz="1800" b="1">
+            <a:r>
+              <a:rPr lang="en-CA" sz="1800" b="1" dirty="0">
+                <a:solidFill>
+                  <a:srgbClr val="00673E"/>
+                </a:solidFill>
+              </a:rPr>
+              <a:t> for Wearable Devices</a:t>
+            </a:r>
+            <a:endParaRPr sz="1800" b="1" dirty="0">
               <a:solidFill>
                 <a:srgbClr val="00673E"/>
               </a:solidFill>
@@ -8459,7 +9590,7 @@
         </p:nvSpPr>
         <p:spPr>
           <a:xfrm>
-            <a:off x="243450" y="946125"/>
+            <a:off x="260773" y="959188"/>
             <a:ext cx="8657100" cy="3456600"/>
           </a:xfrm>
           <a:prstGeom prst="rect">
@@ -8486,13 +9617,86 @@
               <a:buNone/>
             </a:pPr>
             <a:r>
-              <a:rPr lang="en-CA"/>
-              <a:t>Content</a:t>
+              <a:rPr lang="en-US" dirty="0"/>
+              <a:t>In our POT (</a:t>
             </a:r>
-            <a:endParaRPr/>
+            <a:r>
+              <a:rPr lang="en-US" dirty="0" err="1"/>
+              <a:t>平安通</a:t>
+            </a:r>
+            <a:r>
+              <a:rPr lang="en-US" dirty="0"/>
+              <a:t>) app, we use </a:t>
+            </a:r>
+            <a:r>
+              <a:rPr lang="en-US" dirty="0" err="1"/>
+              <a:t>WebSockets</a:t>
+            </a:r>
+            <a:endParaRPr lang="en-US" dirty="0"/>
+          </a:p>
+          <a:p>
+            <a:pPr marL="0" lvl="0" indent="0" algn="l" rtl="0">
+              <a:spcBef>
+                <a:spcPts val="0"/>
+              </a:spcBef>
+              <a:spcAft>
+                <a:spcPts val="0"/>
+              </a:spcAft>
+              <a:buNone/>
+            </a:pPr>
+            <a:r>
+              <a:rPr lang="en-US" dirty="0"/>
+              <a:t>to handle real-time data</a:t>
+            </a:r>
+          </a:p>
+          <a:p>
+            <a:pPr marL="0" lvl="0" indent="0" algn="l" rtl="0">
+              <a:spcBef>
+                <a:spcPts val="0"/>
+              </a:spcBef>
+              <a:spcAft>
+                <a:spcPts val="0"/>
+              </a:spcAft>
+              <a:buNone/>
+            </a:pPr>
+            <a:r>
+              <a:rPr lang="en-US" dirty="0"/>
+              <a:t>between wearable devices and our system.</a:t>
+            </a:r>
+            <a:endParaRPr dirty="0"/>
           </a:p>
         </p:txBody>
       </p:sp>
+      <p:pic>
+        <p:nvPicPr>
+          <p:cNvPr id="3" name="图片 2">
+            <a:extLst>
+              <a:ext uri="{FF2B5EF4-FFF2-40B4-BE49-F238E27FC236}">
+                <a16:creationId xmlns:a16="http://schemas.microsoft.com/office/drawing/2014/main" id="{B7C33BF2-D233-8605-5791-D3F9664055B9}"/>
+              </a:ext>
+            </a:extLst>
+          </p:cNvPr>
+          <p:cNvPicPr>
+            <a:picLocks noChangeAspect="1"/>
+          </p:cNvPicPr>
+          <p:nvPr/>
+        </p:nvPicPr>
+        <p:blipFill>
+          <a:blip r:embed="rId3"/>
+          <a:stretch>
+            <a:fillRect/>
+          </a:stretch>
+        </p:blipFill>
+        <p:spPr>
+          <a:xfrm>
+            <a:off x="779417" y="1871574"/>
+            <a:ext cx="6762206" cy="2312738"/>
+          </a:xfrm>
+          <a:prstGeom prst="rect">
+            <a:avLst/>
+          </a:prstGeom>
+        </p:spPr>
+      </p:pic>
     </p:spTree>
   </p:cSld>
   <p:clrMapOvr>
@@ -8501,7 +9705,7 @@
 </p:sld>
 </file>
 
-<file path=ppt/slides/slide5.xml><?xml version="1.0" encoding="utf-8"?>
+<file path=ppt/slides/slide6.xml><?xml version="1.0" encoding="utf-8"?>
 <p:sld xmlns:a="http://schemas.openxmlformats.org/drawingml/2006/main" xmlns:r="http://schemas.openxmlformats.org/officeDocument/2006/relationships" xmlns:p="http://schemas.openxmlformats.org/presentationml/2006/main">
   <p:cSld>
     <p:spTree>
@@ -8558,7 +9762,7 @@
             </a:pPr>
             <a:fld id="{00000000-1234-1234-1234-123412341234}" type="slidenum">
               <a:rPr lang="en-CA" sz="800"/>
-              <a:t>5</a:t>
+              <a:t>6</a:t>
             </a:fld>
             <a:endParaRPr sz="800"/>
           </a:p>
@@ -8573,7 +9777,7 @@
         <p:spPr>
           <a:xfrm>
             <a:off x="243425" y="232825"/>
-            <a:ext cx="8657100" cy="656100"/>
+            <a:ext cx="8657100" cy="450798"/>
           </a:xfrm>
           <a:prstGeom prst="rect">
             <a:avLst/>
@@ -8599,14 +9803,14 @@
               <a:buNone/>
             </a:pPr>
             <a:r>
-              <a:rPr lang="en-CA" sz="1800" b="1">
+              <a:rPr lang="en-US" sz="1800" b="1" dirty="0">
                 <a:solidFill>
                   <a:srgbClr val="00673E"/>
                 </a:solidFill>
               </a:rPr>
-              <a:t>Title</a:t>
+              <a:t>Benefits of Our Hybrid Approach</a:t>
             </a:r>
-            <a:endParaRPr sz="1800" b="1">
+            <a:endParaRPr sz="1800" b="1" dirty="0">
               <a:solidFill>
                 <a:srgbClr val="00673E"/>
               </a:solidFill>
@@ -8623,7 +9827,7 @@
         <p:spPr>
           <a:xfrm>
             <a:off x="243450" y="946125"/>
-            <a:ext cx="8657100" cy="3456600"/>
+            <a:ext cx="8657100" cy="2511178"/>
           </a:xfrm>
           <a:prstGeom prst="rect">
             <a:avLst/>
@@ -8649,10 +9853,205 @@
               <a:buNone/>
             </a:pPr>
             <a:r>
-              <a:rPr lang="en-CA"/>
-              <a:t>Content</a:t>
+              <a:rPr lang="en-US" b="0" i="0" dirty="0">
+                <a:solidFill>
+                  <a:schemeClr val="tx1"/>
+                </a:solidFill>
+                <a:effectLst/>
+                <a:latin typeface="+mn-lt"/>
+              </a:rPr>
+              <a:t>Our hybrid approach leverages the strengths of both </a:t>
             </a:r>
-            <a:endParaRPr/>
+            <a:r>
+              <a:rPr lang="en-US" b="1" i="0" dirty="0">
+                <a:solidFill>
+                  <a:schemeClr val="tx1"/>
+                </a:solidFill>
+                <a:effectLst/>
+                <a:latin typeface="+mn-lt"/>
+              </a:rPr>
+              <a:t>REST APIs</a:t>
+            </a:r>
+            <a:r>
+              <a:rPr lang="en-US" b="0" i="0" dirty="0">
+                <a:solidFill>
+                  <a:schemeClr val="tx1"/>
+                </a:solidFill>
+                <a:effectLst/>
+                <a:latin typeface="+mn-lt"/>
+              </a:rPr>
+              <a:t> and </a:t>
+            </a:r>
+            <a:r>
+              <a:rPr lang="en-US" b="1" i="0" dirty="0" err="1">
+                <a:solidFill>
+                  <a:schemeClr val="tx1"/>
+                </a:solidFill>
+                <a:effectLst/>
+                <a:latin typeface="+mn-lt"/>
+              </a:rPr>
+              <a:t>WebSockets</a:t>
+            </a:r>
+            <a:r>
+              <a:rPr lang="en-US" b="0" i="0" dirty="0">
+                <a:solidFill>
+                  <a:schemeClr val="tx1"/>
+                </a:solidFill>
+                <a:effectLst/>
+                <a:latin typeface="+mn-lt"/>
+              </a:rPr>
+              <a:t> to optimize our system. </a:t>
+            </a:r>
+          </a:p>
+          <a:p>
+            <a:pPr marL="0" lvl="0" indent="0" algn="l" rtl="0">
+              <a:spcBef>
+                <a:spcPts val="0"/>
+              </a:spcBef>
+              <a:spcAft>
+                <a:spcPts val="0"/>
+              </a:spcAft>
+              <a:buNone/>
+            </a:pPr>
+            <a:endParaRPr lang="en-US" dirty="0">
+              <a:solidFill>
+                <a:schemeClr val="tx1"/>
+              </a:solidFill>
+              <a:latin typeface="+mn-lt"/>
+            </a:endParaRPr>
+          </a:p>
+          <a:p>
+            <a:pPr marL="0" lvl="0" indent="0" algn="l" rtl="0">
+              <a:spcBef>
+                <a:spcPts val="0"/>
+              </a:spcBef>
+              <a:spcAft>
+                <a:spcPts val="0"/>
+              </a:spcAft>
+              <a:buNone/>
+            </a:pPr>
+            <a:r>
+              <a:rPr lang="en-US" b="1" i="0" dirty="0">
+                <a:solidFill>
+                  <a:schemeClr val="tx1"/>
+                </a:solidFill>
+                <a:effectLst/>
+                <a:latin typeface="+mn-lt"/>
+              </a:rPr>
+              <a:t>REST APIs</a:t>
+            </a:r>
+            <a:r>
+              <a:rPr lang="en-US" b="0" i="0" dirty="0">
+                <a:solidFill>
+                  <a:schemeClr val="tx1"/>
+                </a:solidFill>
+                <a:effectLst/>
+                <a:latin typeface="+mn-lt"/>
+              </a:rPr>
+              <a:t> are used for the management front-end to communicate with microservices, handling everyday data tasks easily with lots of community support.</a:t>
+            </a:r>
+          </a:p>
+          <a:p>
+            <a:pPr marL="0" lvl="0" indent="0" algn="l" rtl="0">
+              <a:spcBef>
+                <a:spcPts val="0"/>
+              </a:spcBef>
+              <a:spcAft>
+                <a:spcPts val="0"/>
+              </a:spcAft>
+              <a:buNone/>
+            </a:pPr>
+            <a:endParaRPr lang="en-US" dirty="0">
+              <a:solidFill>
+                <a:schemeClr val="tx1"/>
+              </a:solidFill>
+              <a:latin typeface="+mn-lt"/>
+            </a:endParaRPr>
+          </a:p>
+          <a:p>
+            <a:pPr marL="0" lvl="0" indent="0" algn="l" rtl="0">
+              <a:spcBef>
+                <a:spcPts val="0"/>
+              </a:spcBef>
+              <a:spcAft>
+                <a:spcPts val="0"/>
+              </a:spcAft>
+              <a:buNone/>
+            </a:pPr>
+            <a:r>
+              <a:rPr lang="en-US" b="0" i="0" dirty="0">
+                <a:solidFill>
+                  <a:schemeClr val="tx1"/>
+                </a:solidFill>
+                <a:effectLst/>
+                <a:latin typeface="+mn-lt"/>
+              </a:rPr>
+              <a:t>Meanwhile, </a:t>
+            </a:r>
+            <a:r>
+              <a:rPr lang="en-US" b="1" i="0" dirty="0" err="1">
+                <a:solidFill>
+                  <a:schemeClr val="tx1"/>
+                </a:solidFill>
+                <a:effectLst/>
+                <a:latin typeface="+mn-lt"/>
+              </a:rPr>
+              <a:t>WebSockets</a:t>
+            </a:r>
+            <a:r>
+              <a:rPr lang="en-US" b="0" i="0" dirty="0">
+                <a:solidFill>
+                  <a:schemeClr val="tx1"/>
+                </a:solidFill>
+                <a:effectLst/>
+                <a:latin typeface="+mn-lt"/>
+              </a:rPr>
+              <a:t> manage communication with wearable devices, allowing us to monitor health data in real time and send instant alerts.</a:t>
+            </a:r>
+          </a:p>
+          <a:p>
+            <a:pPr marL="0" lvl="0" indent="0" algn="l" rtl="0">
+              <a:spcBef>
+                <a:spcPts val="0"/>
+              </a:spcBef>
+              <a:spcAft>
+                <a:spcPts val="0"/>
+              </a:spcAft>
+              <a:buNone/>
+            </a:pPr>
+            <a:endParaRPr lang="en-US" dirty="0">
+              <a:solidFill>
+                <a:schemeClr val="tx1"/>
+              </a:solidFill>
+              <a:latin typeface="+mn-lt"/>
+            </a:endParaRPr>
+          </a:p>
+          <a:p>
+            <a:pPr marL="0" lvl="0" indent="0" algn="l" rtl="0">
+              <a:spcBef>
+                <a:spcPts val="0"/>
+              </a:spcBef>
+              <a:spcAft>
+                <a:spcPts val="0"/>
+              </a:spcAft>
+              <a:buNone/>
+            </a:pPr>
+            <a:r>
+              <a:rPr lang="en-US" b="0" i="0" dirty="0">
+                <a:solidFill>
+                  <a:schemeClr val="tx1"/>
+                </a:solidFill>
+                <a:effectLst/>
+                <a:latin typeface="+mn-lt"/>
+              </a:rPr>
+              <a:t>This mix boosts performance, scales smoothly as we grow, and makes it easier for our team to develop and maintain the system.</a:t>
+            </a:r>
+            <a:endParaRPr dirty="0">
+              <a:solidFill>
+                <a:schemeClr val="tx1"/>
+              </a:solidFill>
+              <a:latin typeface="+mn-lt"/>
+            </a:endParaRPr>
           </a:p>
         </p:txBody>
       </p:sp>
@@ -8664,7 +10063,274 @@
 </p:sld>
 </file>
 
-<file path=ppt/slides/slide6.xml><?xml version="1.0" encoding="utf-8"?>
+<file path=ppt/slides/slide7.xml><?xml version="1.0" encoding="utf-8"?>
+<p:sld xmlns:a="http://schemas.openxmlformats.org/drawingml/2006/main" xmlns:r="http://schemas.openxmlformats.org/officeDocument/2006/relationships" xmlns:p="http://schemas.openxmlformats.org/presentationml/2006/main">
+  <p:cSld>
+    <p:spTree>
+      <p:nvGrpSpPr>
+        <p:cNvPr id="1" name="Shape 123">
+          <a:extLst>
+            <a:ext uri="{FF2B5EF4-FFF2-40B4-BE49-F238E27FC236}">
+              <a16:creationId xmlns:a16="http://schemas.microsoft.com/office/drawing/2014/main" id="{9BF00E7B-03ED-8148-6092-B990E8ED8B35}"/>
+            </a:ext>
+          </a:extLst>
+        </p:cNvPr>
+        <p:cNvGrpSpPr/>
+        <p:nvPr/>
+      </p:nvGrpSpPr>
+      <p:grpSpPr>
+        <a:xfrm>
+          <a:off x="0" y="0"/>
+          <a:ext cx="0" cy="0"/>
+          <a:chOff x="0" y="0"/>
+          <a:chExt cx="0" cy="0"/>
+        </a:xfrm>
+      </p:grpSpPr>
+      <p:sp>
+        <p:nvSpPr>
+          <p:cNvPr id="124" name="Google Shape;124;p22">
+            <a:extLst>
+              <a:ext uri="{FF2B5EF4-FFF2-40B4-BE49-F238E27FC236}">
+                <a16:creationId xmlns:a16="http://schemas.microsoft.com/office/drawing/2014/main" id="{9540E309-EACE-0BC8-18FE-3CDBF8F7205A}"/>
+              </a:ext>
+            </a:extLst>
+          </p:cNvPr>
+          <p:cNvSpPr txBox="1">
+            <a:spLocks noGrp="1"/>
+          </p:cNvSpPr>
+          <p:nvPr>
+            <p:ph type="sldNum" idx="12"/>
+          </p:nvPr>
+        </p:nvSpPr>
+        <p:spPr>
+          <a:xfrm>
+            <a:off x="111973" y="4779818"/>
+            <a:ext cx="297600" cy="273900"/>
+          </a:xfrm>
+          <a:prstGeom prst="rect">
+            <a:avLst/>
+          </a:prstGeom>
+          <a:noFill/>
+          <a:ln>
+            <a:noFill/>
+          </a:ln>
+        </p:spPr>
+        <p:txBody>
+          <a:bodyPr spcFirstLastPara="1" wrap="square" lIns="0" tIns="0" rIns="0" bIns="0" anchor="ctr" anchorCtr="0">
+            <a:normAutofit/>
+          </a:bodyPr>
+          <a:lstStyle/>
+          <a:p>
+            <a:pPr marL="0" lvl="0" indent="0" algn="l" rtl="0">
+              <a:spcBef>
+                <a:spcPts val="0"/>
+              </a:spcBef>
+              <a:spcAft>
+                <a:spcPts val="0"/>
+              </a:spcAft>
+              <a:buNone/>
+            </a:pPr>
+            <a:fld id="{00000000-1234-1234-1234-123412341234}" type="slidenum">
+              <a:rPr lang="en-CA" sz="800">
+                <a:latin typeface="+mn-lt"/>
+              </a:rPr>
+              <a:t>7</a:t>
+            </a:fld>
+            <a:endParaRPr sz="800">
+              <a:latin typeface="+mn-lt"/>
+            </a:endParaRPr>
+          </a:p>
+        </p:txBody>
+      </p:sp>
+      <p:sp>
+        <p:nvSpPr>
+          <p:cNvPr id="125" name="Google Shape;125;p22">
+            <a:extLst>
+              <a:ext uri="{FF2B5EF4-FFF2-40B4-BE49-F238E27FC236}">
+                <a16:creationId xmlns:a16="http://schemas.microsoft.com/office/drawing/2014/main" id="{1415ACC9-399C-0E3A-8CBD-8AAF880C43FD}"/>
+              </a:ext>
+            </a:extLst>
+          </p:cNvPr>
+          <p:cNvSpPr txBox="1"/>
+          <p:nvPr/>
+        </p:nvSpPr>
+        <p:spPr>
+          <a:xfrm>
+            <a:off x="243425" y="232825"/>
+            <a:ext cx="8657100" cy="450798"/>
+          </a:xfrm>
+          <a:prstGeom prst="rect">
+            <a:avLst/>
+          </a:prstGeom>
+          <a:noFill/>
+          <a:ln>
+            <a:noFill/>
+          </a:ln>
+        </p:spPr>
+        <p:txBody>
+          <a:bodyPr spcFirstLastPara="1" wrap="square" lIns="91425" tIns="91425" rIns="91425" bIns="91425" anchor="t" anchorCtr="0">
+            <a:noAutofit/>
+          </a:bodyPr>
+          <a:lstStyle/>
+          <a:p>
+            <a:pPr marL="0" lvl="0" indent="0" algn="l" rtl="0">
+              <a:spcBef>
+                <a:spcPts val="0"/>
+              </a:spcBef>
+              <a:spcAft>
+                <a:spcPts val="0"/>
+              </a:spcAft>
+              <a:buNone/>
+            </a:pPr>
+            <a:r>
+              <a:rPr lang="en-US" sz="1800" b="1" dirty="0">
+                <a:solidFill>
+                  <a:srgbClr val="00673E"/>
+                </a:solidFill>
+                <a:latin typeface="+mn-lt"/>
+              </a:rPr>
+              <a:t>Conclusion</a:t>
+            </a:r>
+            <a:endParaRPr sz="1800" b="1" dirty="0">
+              <a:solidFill>
+                <a:srgbClr val="00673E"/>
+              </a:solidFill>
+              <a:latin typeface="+mn-lt"/>
+            </a:endParaRPr>
+          </a:p>
+        </p:txBody>
+      </p:sp>
+      <p:sp>
+        <p:nvSpPr>
+          <p:cNvPr id="126" name="Google Shape;126;p22">
+            <a:extLst>
+              <a:ext uri="{FF2B5EF4-FFF2-40B4-BE49-F238E27FC236}">
+                <a16:creationId xmlns:a16="http://schemas.microsoft.com/office/drawing/2014/main" id="{36D3A3D2-F775-33B8-C124-ECB23FF5A080}"/>
+              </a:ext>
+            </a:extLst>
+          </p:cNvPr>
+          <p:cNvSpPr txBox="1"/>
+          <p:nvPr/>
+        </p:nvSpPr>
+        <p:spPr>
+          <a:xfrm>
+            <a:off x="243450" y="946125"/>
+            <a:ext cx="8657100" cy="1418252"/>
+          </a:xfrm>
+          <a:prstGeom prst="rect">
+            <a:avLst/>
+          </a:prstGeom>
+          <a:noFill/>
+          <a:ln>
+            <a:noFill/>
+          </a:ln>
+        </p:spPr>
+        <p:txBody>
+          <a:bodyPr spcFirstLastPara="1" wrap="square" lIns="91425" tIns="91425" rIns="91425" bIns="91425" anchor="t" anchorCtr="0">
+            <a:noAutofit/>
+          </a:bodyPr>
+          <a:lstStyle/>
+          <a:p>
+            <a:pPr marL="0" lvl="0" indent="0" algn="l" rtl="0">
+              <a:spcBef>
+                <a:spcPts val="0"/>
+              </a:spcBef>
+              <a:spcAft>
+                <a:spcPts val="0"/>
+              </a:spcAft>
+              <a:buNone/>
+            </a:pPr>
+            <a:r>
+              <a:rPr lang="en-US" b="0" i="0" dirty="0">
+                <a:solidFill>
+                  <a:schemeClr val="tx1"/>
+                </a:solidFill>
+                <a:effectLst/>
+                <a:latin typeface="+mn-lt"/>
+              </a:rPr>
+              <a:t>By combining REST APIs with </a:t>
+            </a:r>
+            <a:r>
+              <a:rPr lang="en-US" b="0" i="0" dirty="0" err="1">
+                <a:solidFill>
+                  <a:schemeClr val="tx1"/>
+                </a:solidFill>
+                <a:effectLst/>
+                <a:latin typeface="+mn-lt"/>
+              </a:rPr>
+              <a:t>WebSockets</a:t>
+            </a:r>
+            <a:r>
+              <a:rPr lang="en-US" b="0" i="0" dirty="0">
+                <a:solidFill>
+                  <a:schemeClr val="tx1"/>
+                </a:solidFill>
+                <a:effectLst/>
+                <a:latin typeface="+mn-lt"/>
+              </a:rPr>
+              <a:t>, the POT system effectively manages both reliable data handling and real-time communication.</a:t>
+            </a:r>
+          </a:p>
+          <a:p>
+            <a:pPr marL="0" lvl="0" indent="0" algn="l" rtl="0">
+              <a:spcBef>
+                <a:spcPts val="0"/>
+              </a:spcBef>
+              <a:spcAft>
+                <a:spcPts val="0"/>
+              </a:spcAft>
+              <a:buNone/>
+            </a:pPr>
+            <a:endParaRPr lang="en-US" dirty="0">
+              <a:solidFill>
+                <a:schemeClr val="tx1"/>
+              </a:solidFill>
+              <a:latin typeface="+mn-lt"/>
+            </a:endParaRPr>
+          </a:p>
+          <a:p>
+            <a:pPr marL="0" lvl="0" indent="0" algn="l" rtl="0">
+              <a:spcBef>
+                <a:spcPts val="0"/>
+              </a:spcBef>
+              <a:spcAft>
+                <a:spcPts val="0"/>
+              </a:spcAft>
+              <a:buNone/>
+            </a:pPr>
+            <a:r>
+              <a:rPr lang="en-US" b="0" i="0" dirty="0">
+                <a:solidFill>
+                  <a:schemeClr val="tx1"/>
+                </a:solidFill>
+                <a:effectLst/>
+                <a:latin typeface="+mn-lt"/>
+              </a:rPr>
+              <a:t>This hybrid approach ensures high performance, scalability, and the ability to respond instantly to critical health events, perfectly aligning with our goal of providing a safe and responsive health monitoring solution.</a:t>
+            </a:r>
+            <a:endParaRPr dirty="0">
+              <a:solidFill>
+                <a:schemeClr val="tx1"/>
+              </a:solidFill>
+              <a:latin typeface="+mn-lt"/>
+            </a:endParaRPr>
+          </a:p>
+        </p:txBody>
+      </p:sp>
+    </p:spTree>
+    <p:extLst>
+      <p:ext uri="{BB962C8B-B14F-4D97-AF65-F5344CB8AC3E}">
+        <p14:creationId xmlns:p14="http://schemas.microsoft.com/office/powerpoint/2010/main" val="621890845"/>
+      </p:ext>
+    </p:extLst>
+  </p:cSld>
+  <p:clrMapOvr>
+    <a:masterClrMapping/>
+  </p:clrMapOvr>
+</p:sld>
+</file>
+
+<file path=ppt/slides/slide8.xml><?xml version="1.0" encoding="utf-8"?>
 <p:sld xmlns:a="http://schemas.openxmlformats.org/drawingml/2006/main" xmlns:r="http://schemas.openxmlformats.org/officeDocument/2006/relationships" xmlns:p="http://schemas.openxmlformats.org/presentationml/2006/main">
   <p:cSld>
     <p:spTree>
@@ -8720,10 +10386,14 @@
               <a:buNone/>
             </a:pPr>
             <a:fld id="{00000000-1234-1234-1234-123412341234}" type="slidenum">
-              <a:rPr lang="en-CA" sz="800"/>
-              <a:t>6</a:t>
+              <a:rPr lang="en-CA" sz="800">
+                <a:latin typeface="+mn-lt"/>
+              </a:rPr>
+              <a:t>8</a:t>
             </a:fld>
-            <a:endParaRPr sz="800"/>
+            <a:endParaRPr sz="800">
+              <a:latin typeface="+mn-lt"/>
+            </a:endParaRPr>
           </a:p>
         </p:txBody>
       </p:sp>
@@ -8762,30 +10432,38 @@
               <a:buNone/>
             </a:pPr>
             <a:r>
-              <a:rPr lang="en-CA" sz="1800" b="1">
+              <a:rPr lang="en-CA" sz="1800" b="1" dirty="0">
                 <a:solidFill>
                   <a:srgbClr val="00673E"/>
                 </a:solidFill>
+                <a:latin typeface="+mn-lt"/>
               </a:rPr>
-              <a:t>Title</a:t>
+              <a:t>Reference</a:t>
             </a:r>
-            <a:endParaRPr sz="1800" b="1">
+            <a:endParaRPr sz="1800" b="1" dirty="0">
               <a:solidFill>
                 <a:srgbClr val="00673E"/>
               </a:solidFill>
+              <a:latin typeface="+mn-lt"/>
             </a:endParaRPr>
           </a:p>
         </p:txBody>
       </p:sp>
       <p:sp>
         <p:nvSpPr>
-          <p:cNvPr id="164" name="Google Shape;164;p26"/>
+          <p:cNvPr id="4" name="Google Shape;126;p22">
+            <a:extLst>
+              <a:ext uri="{FF2B5EF4-FFF2-40B4-BE49-F238E27FC236}">
+                <a16:creationId xmlns:a16="http://schemas.microsoft.com/office/drawing/2014/main" id="{240B3428-EC9D-B1C0-1E29-8B8E766C7B03}"/>
+              </a:ext>
+            </a:extLst>
+          </p:cNvPr>
           <p:cNvSpPr txBox="1"/>
           <p:nvPr/>
         </p:nvSpPr>
         <p:spPr>
           <a:xfrm>
-            <a:off x="243450" y="946125"/>
+            <a:off x="352308" y="663098"/>
             <a:ext cx="8657100" cy="3456600"/>
           </a:xfrm>
           <a:prstGeom prst="rect">
@@ -8812,10 +10490,151 @@
               <a:buNone/>
             </a:pPr>
             <a:r>
-              <a:rPr lang="en-CA"/>
-              <a:t>Content</a:t>
+              <a:rPr lang="en-US" dirty="0">
+                <a:latin typeface="+mn-lt"/>
+              </a:rPr>
+              <a:t>      CTM. (n.d.).</a:t>
             </a:r>
-            <a:endParaRPr/>
+            <a:r>
+              <a:rPr lang="en-US" sz="1400" b="0" i="0" dirty="0">
+                <a:solidFill>
+                  <a:schemeClr val="tx1"/>
+                </a:solidFill>
+                <a:effectLst/>
+                <a:latin typeface="+mn-lt"/>
+              </a:rPr>
+              <a:t> </a:t>
+            </a:r>
+            <a:r>
+              <a:rPr lang="en-US" sz="1400" b="0" i="1" dirty="0">
+                <a:solidFill>
+                  <a:schemeClr val="tx1"/>
+                </a:solidFill>
+                <a:effectLst/>
+                <a:latin typeface="+mn-lt"/>
+              </a:rPr>
+              <a:t>Companhia de Telecomunicações de Macau</a:t>
+            </a:r>
+            <a:r>
+              <a:rPr lang="en-US" i="1" dirty="0">
+                <a:latin typeface="+mn-lt"/>
+              </a:rPr>
+              <a:t>  </a:t>
+            </a:r>
+            <a:r>
+              <a:rPr lang="en-US" dirty="0">
+                <a:latin typeface="+mn-lt"/>
+                <a:hlinkClick r:id="rId3"/>
+              </a:rPr>
+              <a:t>https://www.ctm.net/en-US/person/index.html</a:t>
+            </a:r>
+            <a:endParaRPr lang="en-US" dirty="0">
+              <a:latin typeface="+mn-lt"/>
+            </a:endParaRPr>
+          </a:p>
+          <a:p>
+            <a:pPr marL="0" lvl="0" indent="0" algn="l" rtl="0">
+              <a:spcBef>
+                <a:spcPts val="0"/>
+              </a:spcBef>
+              <a:spcAft>
+                <a:spcPts val="0"/>
+              </a:spcAft>
+              <a:buNone/>
+            </a:pPr>
+            <a:r>
+              <a:rPr lang="en-US" dirty="0">
+                <a:latin typeface="+mn-lt"/>
+              </a:rPr>
+              <a:t>      Lopes, D. (2021, June 9). </a:t>
+            </a:r>
+            <a:r>
+              <a:rPr lang="en-US" i="1" dirty="0">
+                <a:latin typeface="+mn-lt"/>
+              </a:rPr>
+              <a:t>a laptop computer sitting on top of a wooden desk. </a:t>
+            </a:r>
+            <a:r>
+              <a:rPr lang="en-US" dirty="0">
+                <a:latin typeface="+mn-lt"/>
+              </a:rPr>
+              <a:t>[Photograph]</a:t>
+            </a:r>
+            <a:r>
+              <a:rPr lang="en-US" dirty="0" err="1">
+                <a:latin typeface="+mn-lt"/>
+              </a:rPr>
+              <a:t>Unsplash</a:t>
+            </a:r>
+            <a:r>
+              <a:rPr lang="en-US" dirty="0">
+                <a:latin typeface="+mn-lt"/>
+              </a:rPr>
+              <a:t>. </a:t>
+            </a:r>
+            <a:r>
+              <a:rPr lang="en-US" dirty="0">
+                <a:latin typeface="+mn-lt"/>
+                <a:hlinkClick r:id="rId4"/>
+              </a:rPr>
+              <a:t>https://unsplash.com/photos/a-laptop-computer-sitting-on-top-of-a-wooden-desk-ehyV_XOZ4iA</a:t>
+            </a:r>
+            <a:endParaRPr lang="en-US" dirty="0">
+              <a:latin typeface="+mn-lt"/>
+            </a:endParaRPr>
+          </a:p>
+          <a:p>
+            <a:pPr marL="0" lvl="0" indent="0" algn="l" rtl="0">
+              <a:spcBef>
+                <a:spcPts val="0"/>
+              </a:spcBef>
+              <a:spcAft>
+                <a:spcPts val="0"/>
+              </a:spcAft>
+              <a:buNone/>
+            </a:pPr>
+            <a:r>
+              <a:rPr lang="en-US" dirty="0">
+                <a:latin typeface="+mn-lt"/>
+              </a:rPr>
+              <a:t>      Social Welfare Bureau. (n.d.). </a:t>
+            </a:r>
+            <a:r>
+              <a:rPr lang="en-US" i="1" dirty="0">
+                <a:latin typeface="+mn-lt"/>
+              </a:rPr>
+              <a:t>Social Welfare Bureau</a:t>
+            </a:r>
+            <a:r>
+              <a:rPr lang="en-US" dirty="0">
+                <a:latin typeface="+mn-lt"/>
+              </a:rPr>
+              <a:t>. </a:t>
+            </a:r>
+            <a:r>
+              <a:rPr lang="en-US" dirty="0">
+                <a:latin typeface="+mn-lt"/>
+                <a:hlinkClick r:id="rId5"/>
+              </a:rPr>
+              <a:t>https://www.ias.gov.mo/en</a:t>
+            </a:r>
+            <a:endParaRPr lang="en-US" dirty="0">
+              <a:latin typeface="+mn-lt"/>
+            </a:endParaRPr>
+          </a:p>
+          <a:p>
+            <a:pPr marL="0" lvl="0" indent="0" algn="l" rtl="0">
+              <a:spcBef>
+                <a:spcPts val="0"/>
+              </a:spcBef>
+              <a:spcAft>
+                <a:spcPts val="0"/>
+              </a:spcAft>
+              <a:buNone/>
+            </a:pPr>
+            <a:endParaRPr dirty="0">
+              <a:latin typeface="+mn-lt"/>
+            </a:endParaRPr>
           </a:p>
         </p:txBody>
       </p:sp>
@@ -8827,7 +10646,7 @@
 </p:sld>
 </file>
 
-<file path=ppt/slides/slide7.xml><?xml version="1.0" encoding="utf-8"?>
+<file path=ppt/slides/slide9.xml><?xml version="1.0" encoding="utf-8"?>
 <p:sld xmlns:a="http://schemas.openxmlformats.org/drawingml/2006/main" xmlns:r="http://schemas.openxmlformats.org/officeDocument/2006/relationships" xmlns:p="http://schemas.openxmlformats.org/presentationml/2006/main">
   <p:cSld>
     <p:spTree>

--- a/Presentation.pptx
+++ b/Presentation.pptx
@@ -8281,7 +8281,7 @@
         </p:nvSpPr>
         <p:spPr>
           <a:xfrm>
-            <a:off x="243425" y="929100"/>
+            <a:off x="243425" y="927849"/>
             <a:ext cx="5253000" cy="3456600"/>
           </a:xfrm>
           <a:prstGeom prst="rect">
@@ -8382,7 +8382,46 @@
                 <a:effectLst/>
                 <a:latin typeface="+mn-lt"/>
               </a:rPr>
-              <a:t>We use wearable tech to keep an eye on their health in real-time.</a:t>
+              <a:t>We use wearable tech to keep an eye on </a:t>
+            </a:r>
+            <a:r>
+              <a:rPr lang="en-US" altLang="zh-CN" sz="1600" dirty="0">
+                <a:solidFill>
+                  <a:schemeClr val="tx1"/>
+                </a:solidFill>
+                <a:latin typeface="+mn-lt"/>
+              </a:rPr>
+              <a:t>people’s</a:t>
+            </a:r>
+            <a:r>
+              <a:rPr lang="en-US" sz="1600" b="0" i="0" dirty="0">
+                <a:solidFill>
+                  <a:schemeClr val="tx1"/>
+                </a:solidFill>
+                <a:effectLst/>
+                <a:latin typeface="+mn-lt"/>
+              </a:rPr>
+              <a:t> health </a:t>
+            </a:r>
+            <a:r>
+              <a:rPr lang="en-US" altLang="zh-CN" sz="1600" b="0" i="0" dirty="0">
+                <a:solidFill>
+                  <a:schemeClr val="tx1"/>
+                </a:solidFill>
+                <a:effectLst/>
+                <a:latin typeface="+mn-lt"/>
+              </a:rPr>
+              <a:t>especially the elderly</a:t>
+            </a:r>
+            <a:r>
+              <a:rPr lang="en-US" sz="1600" b="0" i="0" dirty="0">
+                <a:solidFill>
+                  <a:schemeClr val="tx1"/>
+                </a:solidFill>
+                <a:effectLst/>
+                <a:latin typeface="+mn-lt"/>
+              </a:rPr>
+              <a:t> in real time.</a:t>
             </a:r>
             <a:endParaRPr sz="1100" dirty="0">
               <a:solidFill>
@@ -8821,7 +8860,7 @@
         <p:spPr>
           <a:xfrm>
             <a:off x="243449" y="958535"/>
-            <a:ext cx="4067293" cy="3104013"/>
+            <a:ext cx="7605496" cy="3104013"/>
           </a:xfrm>
           <a:prstGeom prst="rect">
             <a:avLst/>
@@ -8995,10 +9034,27 @@
             </a:endParaRPr>
           </a:p>
           <a:p>
-            <a:pPr algn="l" fontAlgn="base">
-              <a:buFont typeface="Arial" panose="020B0604020202020204" pitchFamily="34" charset="0"/>
-              <a:buChar char="•"/>
+            <a:pPr marL="0" lvl="0" indent="0" algn="l" rtl="0">
+              <a:spcBef>
+                <a:spcPts val="0"/>
+              </a:spcBef>
+              <a:spcAft>
+                <a:spcPts val="0"/>
+              </a:spcAft>
+              <a:buNone/>
             </a:pPr>
+            <a:r>
+              <a:rPr lang="en-US" sz="1600" dirty="0">
+                <a:solidFill>
+                  <a:srgbClr val="080808"/>
+                </a:solidFill>
+                <a:latin typeface="+mn-lt"/>
+              </a:rPr>
+              <a:t>For the Operation team and Monitoring Center working on the project:</a:t>
+            </a:r>
+          </a:p>
+          <a:p>
+            <a:pPr algn="l" fontAlgn="base"/>
             <a:r>
               <a:rPr lang="en-US" b="0" i="0" dirty="0">
                 <a:solidFill>
@@ -9007,24 +9063,49 @@
                 <a:effectLst/>
                 <a:latin typeface="+mn-lt"/>
               </a:rPr>
-              <a:t>REST APIs</a:t>
+              <a:t>Management front-end   &lt;==REST APIs</a:t>
+            </a:r>
+            <a:r>
+              <a:rPr lang="en-US" dirty="0">
+                <a:solidFill>
+                  <a:srgbClr val="080808"/>
+                </a:solidFill>
+                <a:latin typeface="+mn-lt"/>
+              </a:rPr>
+              <a:t>=</a:t>
+            </a:r>
+            <a:r>
+              <a:rPr lang="en-US" b="0" i="0" dirty="0">
+                <a:solidFill>
+                  <a:srgbClr val="080808"/>
+                </a:solidFill>
+                <a:effectLst/>
+                <a:latin typeface="+mn-lt"/>
+              </a:rPr>
+              <a:t>=&gt;   Microservices (management </a:t>
+            </a:r>
+            <a:r>
+              <a:rPr lang="en-US" dirty="0">
+                <a:solidFill>
+                  <a:srgbClr val="080808"/>
+                </a:solidFill>
+                <a:latin typeface="+mn-lt"/>
+              </a:rPr>
+              <a:t>m</a:t>
+            </a:r>
+            <a:r>
+              <a:rPr lang="en-US" b="0" i="0" dirty="0">
+                <a:solidFill>
+                  <a:srgbClr val="080808"/>
+                </a:solidFill>
+                <a:effectLst/>
+                <a:latin typeface="+mn-lt"/>
+              </a:rPr>
+              <a:t>icroservice)</a:t>
             </a:r>
           </a:p>
           <a:p>
-            <a:pPr algn="l" fontAlgn="base">
-              <a:buFont typeface="Arial" panose="020B0604020202020204" pitchFamily="34" charset="0"/>
-              <a:buChar char="•"/>
-            </a:pPr>
-            <a:r>
-              <a:rPr lang="en-US" b="0" i="0" dirty="0" err="1">
-                <a:solidFill>
-                  <a:srgbClr val="080808"/>
-                </a:solidFill>
-                <a:effectLst/>
-                <a:latin typeface="+mn-lt"/>
-              </a:rPr>
-              <a:t>WebSockets</a:t>
-            </a:r>
+            <a:pPr algn="l" fontAlgn="base"/>
             <a:endParaRPr lang="en-US" b="0" i="0" dirty="0">
               <a:solidFill>
                 <a:srgbClr val="080808"/>
@@ -9034,10 +9115,98 @@
             </a:endParaRPr>
           </a:p>
           <a:p>
-            <a:pPr algn="l" fontAlgn="base">
-              <a:buFont typeface="Arial" panose="020B0604020202020204" pitchFamily="34" charset="0"/>
-              <a:buChar char="•"/>
-            </a:pPr>
+            <a:pPr algn="l" fontAlgn="base"/>
+            <a:r>
+              <a:rPr lang="en-US" altLang="zh-CN" sz="1600" dirty="0">
+                <a:solidFill>
+                  <a:srgbClr val="080808"/>
+                </a:solidFill>
+                <a:latin typeface="+mn-lt"/>
+              </a:rPr>
+              <a:t>For the</a:t>
+            </a:r>
+            <a:r>
+              <a:rPr lang="zh-CN" altLang="en-US" sz="1600" dirty="0">
+                <a:solidFill>
+                  <a:srgbClr val="080808"/>
+                </a:solidFill>
+                <a:latin typeface="+mn-lt"/>
+              </a:rPr>
+              <a:t> </a:t>
+            </a:r>
+            <a:r>
+              <a:rPr lang="en-US" altLang="zh-CN" sz="1600" dirty="0">
+                <a:solidFill>
+                  <a:srgbClr val="080808"/>
+                </a:solidFill>
+                <a:latin typeface="+mn-lt"/>
+              </a:rPr>
+              <a:t>users</a:t>
+            </a:r>
+            <a:r>
+              <a:rPr lang="zh-CN" altLang="en-US" sz="1600" dirty="0">
+                <a:solidFill>
+                  <a:srgbClr val="080808"/>
+                </a:solidFill>
+                <a:latin typeface="+mn-lt"/>
+              </a:rPr>
+              <a:t> </a:t>
+            </a:r>
+            <a:r>
+              <a:rPr lang="en-US" altLang="zh-CN" sz="1600" dirty="0">
+                <a:solidFill>
+                  <a:srgbClr val="080808"/>
+                </a:solidFill>
+                <a:latin typeface="+mn-lt"/>
+              </a:rPr>
+              <a:t>wearing</a:t>
+            </a:r>
+            <a:r>
+              <a:rPr lang="zh-CN" altLang="en-US" sz="1600" dirty="0">
+                <a:solidFill>
+                  <a:srgbClr val="080808"/>
+                </a:solidFill>
+                <a:latin typeface="+mn-lt"/>
+              </a:rPr>
+              <a:t> </a:t>
+            </a:r>
+            <a:r>
+              <a:rPr lang="en-US" altLang="zh-CN" sz="1600" dirty="0">
+                <a:solidFill>
+                  <a:srgbClr val="080808"/>
+                </a:solidFill>
+                <a:latin typeface="+mn-lt"/>
+              </a:rPr>
+              <a:t>the</a:t>
+            </a:r>
+            <a:r>
+              <a:rPr lang="zh-CN" altLang="en-US" sz="1600" dirty="0">
+                <a:solidFill>
+                  <a:srgbClr val="080808"/>
+                </a:solidFill>
+                <a:latin typeface="+mn-lt"/>
+              </a:rPr>
+              <a:t> </a:t>
+            </a:r>
+            <a:r>
+              <a:rPr lang="en-US" altLang="zh-CN" sz="1600" dirty="0">
+                <a:solidFill>
+                  <a:srgbClr val="080808"/>
+                </a:solidFill>
+                <a:latin typeface="+mn-lt"/>
+              </a:rPr>
+              <a:t>devices</a:t>
+            </a:r>
+            <a:endParaRPr lang="en-US" sz="1600" b="0" i="0" dirty="0">
+              <a:solidFill>
+                <a:srgbClr val="080808"/>
+              </a:solidFill>
+              <a:effectLst/>
+              <a:latin typeface="+mn-lt"/>
+            </a:endParaRPr>
+          </a:p>
+          <a:p>
+            <a:pPr algn="l" fontAlgn="base"/>
             <a:r>
               <a:rPr lang="en-US" b="0" i="0" dirty="0">
                 <a:solidFill>
@@ -9046,180 +9215,7 @@
                 <a:effectLst/>
                 <a:latin typeface="+mn-lt"/>
               </a:rPr>
-              <a:t>Microservices</a:t>
-            </a:r>
-          </a:p>
-          <a:p>
-            <a:pPr algn="l" fontAlgn="base">
-              <a:buFont typeface="Arial" panose="020B0604020202020204" pitchFamily="34" charset="0"/>
-              <a:buChar char="•"/>
-            </a:pPr>
-            <a:r>
-              <a:rPr lang="en-US" b="0" i="0" dirty="0">
-                <a:solidFill>
-                  <a:srgbClr val="080808"/>
-                </a:solidFill>
-                <a:effectLst/>
-                <a:latin typeface="+mn-lt"/>
-              </a:rPr>
-              <a:t>Wearable Devices</a:t>
-            </a:r>
-          </a:p>
-          <a:p>
-            <a:pPr algn="l" fontAlgn="base">
-              <a:buFont typeface="Arial" panose="020B0604020202020204" pitchFamily="34" charset="0"/>
-              <a:buChar char="•"/>
-            </a:pPr>
-            <a:r>
-              <a:rPr lang="en-US" b="0" i="0" dirty="0">
-                <a:solidFill>
-                  <a:srgbClr val="080808"/>
-                </a:solidFill>
-                <a:effectLst/>
-                <a:latin typeface="+mn-lt"/>
-              </a:rPr>
-              <a:t>Monitoring Center</a:t>
-            </a:r>
-          </a:p>
-          <a:p>
-            <a:pPr marL="0" lvl="0" indent="0" algn="l" rtl="0">
-              <a:spcBef>
-                <a:spcPts val="0"/>
-              </a:spcBef>
-              <a:spcAft>
-                <a:spcPts val="0"/>
-              </a:spcAft>
-              <a:buNone/>
-            </a:pPr>
-            <a:endParaRPr sz="1800" dirty="0">
-              <a:latin typeface="+mn-lt"/>
-            </a:endParaRPr>
-          </a:p>
-        </p:txBody>
-      </p:sp>
-      <p:pic>
-        <p:nvPicPr>
-          <p:cNvPr id="5" name="图片 4" descr="桌子上放了电脑&#10;&#10;AI 生成的内容可能不正确。">
-            <a:extLst>
-              <a:ext uri="{FF2B5EF4-FFF2-40B4-BE49-F238E27FC236}">
-                <a16:creationId xmlns:a16="http://schemas.microsoft.com/office/drawing/2014/main" id="{2B3453A3-8584-C473-209E-F690C9CFC39B}"/>
-              </a:ext>
-            </a:extLst>
-          </p:cNvPr>
-          <p:cNvPicPr>
-            <a:picLocks noChangeAspect="1"/>
-          </p:cNvPicPr>
-          <p:nvPr/>
-        </p:nvPicPr>
-        <p:blipFill>
-          <a:blip r:embed="rId3"/>
-          <a:stretch>
-            <a:fillRect/>
-          </a:stretch>
-        </p:blipFill>
-        <p:spPr>
-          <a:xfrm>
-            <a:off x="4358640" y="892336"/>
-            <a:ext cx="4165498" cy="3018172"/>
-          </a:xfrm>
-          <a:prstGeom prst="rect">
-            <a:avLst/>
-          </a:prstGeom>
-        </p:spPr>
-      </p:pic>
-      <p:sp>
-        <p:nvSpPr>
-          <p:cNvPr id="6" name="Rectangle 3">
-            <a:extLst>
-              <a:ext uri="{FF2B5EF4-FFF2-40B4-BE49-F238E27FC236}">
-                <a16:creationId xmlns:a16="http://schemas.microsoft.com/office/drawing/2014/main" id="{002788D9-0E2C-22D1-6EBD-054E06DB68AF}"/>
-              </a:ext>
-            </a:extLst>
-          </p:cNvPr>
-          <p:cNvSpPr>
-            <a:spLocks noChangeArrowheads="1"/>
-          </p:cNvSpPr>
-          <p:nvPr/>
-        </p:nvSpPr>
-        <p:spPr bwMode="auto">
-          <a:xfrm>
-            <a:off x="5955137" y="3910508"/>
-            <a:ext cx="972504" cy="246221"/>
-          </a:xfrm>
-          <a:prstGeom prst="rect">
-            <a:avLst/>
-          </a:prstGeom>
-          <a:noFill/>
-          <a:ln>
-            <a:noFill/>
-          </a:ln>
-          <a:effectLst/>
-          <a:extLst>
-            <a:ext uri="{909E8E84-426E-40DD-AFC4-6F175D3DCCD1}">
-              <a14:hiddenFill xmlns:a14="http://schemas.microsoft.com/office/drawing/2010/main">
-                <a:solidFill>
-                  <a:schemeClr val="accent1"/>
-                </a:solidFill>
-              </a14:hiddenFill>
-            </a:ext>
-            <a:ext uri="{91240B29-F687-4F45-9708-019B960494DF}">
-              <a14:hiddenLine xmlns:a14="http://schemas.microsoft.com/office/drawing/2010/main" w="9525">
-                <a:solidFill>
-                  <a:schemeClr val="tx1"/>
-                </a:solidFill>
-                <a:miter lim="800000"/>
-                <a:headEnd/>
-                <a:tailEnd/>
-              </a14:hiddenLine>
-            </a:ext>
-            <a:ext uri="{AF507438-7753-43E0-B8FC-AC1667EBCBE1}">
-              <a14:hiddenEffects xmlns:a14="http://schemas.microsoft.com/office/drawing/2010/main">
-                <a:effectLst>
-                  <a:outerShdw dist="35921" dir="2700000" algn="ctr" rotWithShape="0">
-                    <a:schemeClr val="bg2"/>
-                  </a:outerShdw>
-                </a:effectLst>
-              </a14:hiddenEffects>
-            </a:ext>
-          </a:extLst>
-        </p:spPr>
-        <p:txBody>
-          <a:bodyPr vert="horz" wrap="square" lIns="91440" tIns="45720" rIns="91440" bIns="45720" numCol="1" anchor="ctr" anchorCtr="0" compatLnSpc="1">
-            <a:prstTxWarp prst="textNoShape">
-              <a:avLst/>
-            </a:prstTxWarp>
-            <a:spAutoFit/>
-          </a:bodyPr>
-          <a:lstStyle/>
-          <a:p>
-            <a:pPr marL="0" marR="0" lvl="0" indent="0" algn="l" defTabSz="914400" rtl="0" eaLnBrk="0" fontAlgn="base" latinLnBrk="0" hangingPunct="0">
-              <a:lnSpc>
-                <a:spcPct val="100000"/>
-              </a:lnSpc>
-              <a:spcBef>
-                <a:spcPct val="0"/>
-              </a:spcBef>
-              <a:spcAft>
-                <a:spcPct val="0"/>
-              </a:spcAft>
-              <a:buClrTx/>
-              <a:buSzTx/>
-              <a:buFontTx/>
-              <a:buNone/>
-              <a:tabLst/>
-            </a:pPr>
-            <a:r>
-              <a:rPr kumimoji="0" lang="en-US" altLang="en-US" sz="1000" b="0" i="0" u="none" strike="noStrike" cap="none" normalizeH="0" baseline="0" dirty="0">
-                <a:ln>
-                  <a:noFill/>
-                </a:ln>
-                <a:solidFill>
-                  <a:schemeClr val="tx1"/>
-                </a:solidFill>
-                <a:effectLst/>
-                <a:latin typeface="Arial" panose="020B0604020202020204" pitchFamily="34" charset="0"/>
-              </a:rPr>
-              <a:t>(Lopes, 2021)</a:t>
+              <a:t>Wearable Devices          &lt;==WebSocket==&gt;   Microservices (device connection microservice)</a:t>
             </a:r>
           </a:p>
         </p:txBody>
@@ -10546,57 +10542,6 @@
               <a:rPr lang="en-US" dirty="0">
                 <a:latin typeface="+mn-lt"/>
               </a:rPr>
-              <a:t>      Lopes, D. (2021, June 9). </a:t>
-            </a:r>
-            <a:r>
-              <a:rPr lang="en-US" i="1" dirty="0">
-                <a:latin typeface="+mn-lt"/>
-              </a:rPr>
-              <a:t>a laptop computer sitting on top of a wooden desk. </a:t>
-            </a:r>
-            <a:r>
-              <a:rPr lang="en-US" dirty="0">
-                <a:latin typeface="+mn-lt"/>
-              </a:rPr>
-              <a:t>[Photograph]</a:t>
-            </a:r>
-            <a:r>
-              <a:rPr lang="en-US" dirty="0" err="1">
-                <a:latin typeface="+mn-lt"/>
-              </a:rPr>
-              <a:t>Unsplash</a:t>
-            </a:r>
-            <a:r>
-              <a:rPr lang="en-US" dirty="0">
-                <a:latin typeface="+mn-lt"/>
-              </a:rPr>
-              <a:t>. </a:t>
-            </a:r>
-            <a:r>
-              <a:rPr lang="en-US" dirty="0">
-                <a:latin typeface="+mn-lt"/>
-                <a:hlinkClick r:id="rId4"/>
-              </a:rPr>
-              <a:t>https://unsplash.com/photos/a-laptop-computer-sitting-on-top-of-a-wooden-desk-ehyV_XOZ4iA</a:t>
-            </a:r>
-            <a:endParaRPr lang="en-US" dirty="0">
-              <a:latin typeface="+mn-lt"/>
-            </a:endParaRPr>
-          </a:p>
-          <a:p>
-            <a:pPr marL="0" lvl="0" indent="0" algn="l" rtl="0">
-              <a:spcBef>
-                <a:spcPts val="0"/>
-              </a:spcBef>
-              <a:spcAft>
-                <a:spcPts val="0"/>
-              </a:spcAft>
-              <a:buNone/>
-            </a:pPr>
-            <a:r>
-              <a:rPr lang="en-US" dirty="0">
-                <a:latin typeface="+mn-lt"/>
-              </a:rPr>
               <a:t>      Social Welfare Bureau. (n.d.). </a:t>
             </a:r>
             <a:r>
@@ -10614,7 +10559,7 @@
             <a:r>
               <a:rPr lang="en-US" dirty="0">
                 <a:latin typeface="+mn-lt"/>
-                <a:hlinkClick r:id="rId5"/>
+                <a:hlinkClick r:id="rId4"/>
               </a:rPr>
               <a:t>https://www.ias.gov.mo/en</a:t>
             </a:r>
